--- a/第1课-python入门/python入门.pptx
+++ b/第1课-python入门/python入门.pptx
@@ -5,7 +5,7 @@
     <p:sldMasterId id="2147483660" r:id="rId1"/>
   </p:sldMasterIdLst>
   <p:notesMasterIdLst>
-    <p:notesMasterId r:id="rId16"/>
+    <p:notesMasterId r:id="rId18"/>
   </p:notesMasterIdLst>
   <p:sldIdLst>
     <p:sldId id="256" r:id="rId2"/>
@@ -19,9 +19,11 @@
     <p:sldId id="263" r:id="rId10"/>
     <p:sldId id="264" r:id="rId11"/>
     <p:sldId id="265" r:id="rId12"/>
-    <p:sldId id="266" r:id="rId13"/>
-    <p:sldId id="267" r:id="rId14"/>
-    <p:sldId id="269" r:id="rId15"/>
+    <p:sldId id="267" r:id="rId13"/>
+    <p:sldId id="269" r:id="rId14"/>
+    <p:sldId id="270" r:id="rId15"/>
+    <p:sldId id="271" r:id="rId16"/>
+    <p:sldId id="266" r:id="rId17"/>
   </p:sldIdLst>
   <p:sldSz cx="12192000" cy="6858000"/>
   <p:notesSz cx="6858000" cy="9144000"/>
@@ -210,7 +212,7 @@
           <a:p>
             <a:fld id="{37C19070-0ACB-964B-9A57-570229ED9CFB}" type="datetimeFigureOut">
               <a:rPr kumimoji="1" lang="zh-CN" altLang="en-US" smtClean="0"/>
-              <a:t>2018/3/12</a:t>
+              <a:t>2018/3/13</a:t>
             </a:fld>
             <a:endParaRPr kumimoji="1" lang="zh-CN" altLang="en-US"/>
           </a:p>
@@ -812,7 +814,7 @@
           <a:p>
             <a:fld id="{3990034D-B195-C943-AE61-74B68AA87FB9}" type="datetimeFigureOut">
               <a:rPr kumimoji="1" lang="zh-CN" altLang="en-US" smtClean="0"/>
-              <a:t>2018/3/12</a:t>
+              <a:t>2018/3/13</a:t>
             </a:fld>
             <a:endParaRPr kumimoji="1" lang="zh-CN" altLang="en-US"/>
           </a:p>
@@ -1895,7 +1897,7 @@
           <a:p>
             <a:fld id="{3990034D-B195-C943-AE61-74B68AA87FB9}" type="datetimeFigureOut">
               <a:rPr kumimoji="1" lang="zh-CN" altLang="en-US" smtClean="0"/>
-              <a:t>2018/3/12</a:t>
+              <a:t>2018/3/13</a:t>
             </a:fld>
             <a:endParaRPr kumimoji="1" lang="zh-CN" altLang="en-US"/>
           </a:p>
@@ -2870,7 +2872,7 @@
           <a:p>
             <a:fld id="{3990034D-B195-C943-AE61-74B68AA87FB9}" type="datetimeFigureOut">
               <a:rPr kumimoji="1" lang="zh-CN" altLang="en-US" smtClean="0"/>
-              <a:t>2018/3/12</a:t>
+              <a:t>2018/3/13</a:t>
             </a:fld>
             <a:endParaRPr kumimoji="1" lang="zh-CN" altLang="en-US"/>
           </a:p>
@@ -3999,7 +4001,7 @@
           <a:p>
             <a:fld id="{3990034D-B195-C943-AE61-74B68AA87FB9}" type="datetimeFigureOut">
               <a:rPr kumimoji="1" lang="zh-CN" altLang="en-US" smtClean="0"/>
-              <a:t>2018/3/12</a:t>
+              <a:t>2018/3/13</a:t>
             </a:fld>
             <a:endParaRPr kumimoji="1" lang="zh-CN" altLang="en-US"/>
           </a:p>
@@ -5027,7 +5029,7 @@
           <a:p>
             <a:fld id="{3990034D-B195-C943-AE61-74B68AA87FB9}" type="datetimeFigureOut">
               <a:rPr kumimoji="1" lang="zh-CN" altLang="en-US" smtClean="0"/>
-              <a:t>2018/3/12</a:t>
+              <a:t>2018/3/13</a:t>
             </a:fld>
             <a:endParaRPr kumimoji="1" lang="zh-CN" altLang="en-US"/>
           </a:p>
@@ -5682,7 +5684,7 @@
           <a:p>
             <a:fld id="{3990034D-B195-C943-AE61-74B68AA87FB9}" type="datetimeFigureOut">
               <a:rPr kumimoji="1" lang="zh-CN" altLang="en-US" smtClean="0"/>
-              <a:t>2018/3/12</a:t>
+              <a:t>2018/3/13</a:t>
             </a:fld>
             <a:endParaRPr kumimoji="1" lang="zh-CN" altLang="en-US"/>
           </a:p>
@@ -6538,7 +6540,7 @@
           <a:p>
             <a:fld id="{3990034D-B195-C943-AE61-74B68AA87FB9}" type="datetimeFigureOut">
               <a:rPr kumimoji="1" lang="zh-CN" altLang="en-US" smtClean="0"/>
-              <a:t>2018/3/12</a:t>
+              <a:t>2018/3/13</a:t>
             </a:fld>
             <a:endParaRPr kumimoji="1" lang="zh-CN" altLang="en-US"/>
           </a:p>
@@ -6723,7 +6725,7 @@
           <a:p>
             <a:fld id="{3990034D-B195-C943-AE61-74B68AA87FB9}" type="datetimeFigureOut">
               <a:rPr kumimoji="1" lang="zh-CN" altLang="en-US" smtClean="0"/>
-              <a:t>2018/3/12</a:t>
+              <a:t>2018/3/13</a:t>
             </a:fld>
             <a:endParaRPr kumimoji="1" lang="zh-CN" altLang="en-US"/>
           </a:p>
@@ -7690,7 +7692,7 @@
           <a:p>
             <a:fld id="{3990034D-B195-C943-AE61-74B68AA87FB9}" type="datetimeFigureOut">
               <a:rPr kumimoji="1" lang="zh-CN" altLang="en-US" smtClean="0"/>
-              <a:t>2018/3/12</a:t>
+              <a:t>2018/3/13</a:t>
             </a:fld>
             <a:endParaRPr kumimoji="1" lang="zh-CN" altLang="en-US"/>
           </a:p>
@@ -7896,7 +7898,7 @@
           <a:p>
             <a:fld id="{3990034D-B195-C943-AE61-74B68AA87FB9}" type="datetimeFigureOut">
               <a:rPr kumimoji="1" lang="zh-CN" altLang="en-US" smtClean="0"/>
-              <a:t>2018/3/12</a:t>
+              <a:t>2018/3/13</a:t>
             </a:fld>
             <a:endParaRPr kumimoji="1" lang="zh-CN" altLang="en-US"/>
           </a:p>
@@ -8925,7 +8927,7 @@
           <a:p>
             <a:fld id="{3990034D-B195-C943-AE61-74B68AA87FB9}" type="datetimeFigureOut">
               <a:rPr kumimoji="1" lang="zh-CN" altLang="en-US" smtClean="0"/>
-              <a:t>2018/3/12</a:t>
+              <a:t>2018/3/13</a:t>
             </a:fld>
             <a:endParaRPr kumimoji="1" lang="zh-CN" altLang="en-US"/>
           </a:p>
@@ -9192,7 +9194,7 @@
           <a:p>
             <a:fld id="{3990034D-B195-C943-AE61-74B68AA87FB9}" type="datetimeFigureOut">
               <a:rPr kumimoji="1" lang="zh-CN" altLang="en-US" smtClean="0"/>
-              <a:t>2018/3/12</a:t>
+              <a:t>2018/3/13</a:t>
             </a:fld>
             <a:endParaRPr kumimoji="1" lang="zh-CN" altLang="en-US"/>
           </a:p>
@@ -9597,7 +9599,7 @@
           <a:p>
             <a:fld id="{3990034D-B195-C943-AE61-74B68AA87FB9}" type="datetimeFigureOut">
               <a:rPr kumimoji="1" lang="zh-CN" altLang="en-US" smtClean="0"/>
-              <a:t>2018/3/12</a:t>
+              <a:t>2018/3/13</a:t>
             </a:fld>
             <a:endParaRPr kumimoji="1" lang="zh-CN" altLang="en-US"/>
           </a:p>
@@ -9719,7 +9721,7 @@
           <a:p>
             <a:fld id="{3990034D-B195-C943-AE61-74B68AA87FB9}" type="datetimeFigureOut">
               <a:rPr kumimoji="1" lang="zh-CN" altLang="en-US" smtClean="0"/>
-              <a:t>2018/3/12</a:t>
+              <a:t>2018/3/13</a:t>
             </a:fld>
             <a:endParaRPr kumimoji="1" lang="zh-CN" altLang="en-US"/>
           </a:p>
@@ -9809,7 +9811,7 @@
           <a:p>
             <a:fld id="{3990034D-B195-C943-AE61-74B68AA87FB9}" type="datetimeFigureOut">
               <a:rPr kumimoji="1" lang="zh-CN" altLang="en-US" smtClean="0"/>
-              <a:t>2018/3/12</a:t>
+              <a:t>2018/3/13</a:t>
             </a:fld>
             <a:endParaRPr kumimoji="1" lang="zh-CN" altLang="en-US"/>
           </a:p>
@@ -10885,7 +10887,7 @@
           <a:p>
             <a:fld id="{3990034D-B195-C943-AE61-74B68AA87FB9}" type="datetimeFigureOut">
               <a:rPr kumimoji="1" lang="zh-CN" altLang="en-US" smtClean="0"/>
-              <a:t>2018/3/12</a:t>
+              <a:t>2018/3/13</a:t>
             </a:fld>
             <a:endParaRPr kumimoji="1" lang="zh-CN" altLang="en-US"/>
           </a:p>
@@ -11988,7 +11990,7 @@
           <a:p>
             <a:fld id="{3990034D-B195-C943-AE61-74B68AA87FB9}" type="datetimeFigureOut">
               <a:rPr kumimoji="1" lang="zh-CN" altLang="en-US" smtClean="0"/>
-              <a:t>2018/3/12</a:t>
+              <a:t>2018/3/13</a:t>
             </a:fld>
             <a:endParaRPr kumimoji="1" lang="zh-CN" altLang="en-US"/>
           </a:p>
@@ -12980,7 +12982,7 @@
           <a:p>
             <a:fld id="{3990034D-B195-C943-AE61-74B68AA87FB9}" type="datetimeFigureOut">
               <a:rPr kumimoji="1" lang="zh-CN" altLang="en-US" smtClean="0"/>
-              <a:t>2018/3/12</a:t>
+              <a:t>2018/3/13</a:t>
             </a:fld>
             <a:endParaRPr kumimoji="1" lang="zh-CN" altLang="en-US"/>
           </a:p>
@@ -13771,8 +13773,8 @@
         </p:blipFill>
         <p:spPr>
           <a:xfrm>
-            <a:off x="1513188" y="1526059"/>
-            <a:ext cx="9165623" cy="5294522"/>
+            <a:off x="2681654" y="2201023"/>
+            <a:ext cx="7997157" cy="4619558"/>
           </a:xfrm>
           <a:prstGeom prst="rect">
             <a:avLst/>
@@ -13814,6 +13816,741 @@
           <p:cNvPr id="2" name="标题 1">
             <a:extLst>
               <a:ext uri="{FF2B5EF4-FFF2-40B4-BE49-F238E27FC236}">
+                <a16:creationId xmlns:a16="http://schemas.microsoft.com/office/drawing/2014/main" id="{47775DEE-FA18-4753-9981-B5C5E2F824B3}"/>
+              </a:ext>
+            </a:extLst>
+          </p:cNvPr>
+          <p:cNvSpPr>
+            <a:spLocks noGrp="1"/>
+          </p:cNvSpPr>
+          <p:nvPr>
+            <p:ph type="title"/>
+          </p:nvPr>
+        </p:nvSpPr>
+        <p:spPr/>
+        <p:txBody>
+          <a:bodyPr/>
+          <a:lstStyle/>
+          <a:p>
+            <a:r>
+              <a:rPr lang="zh-CN" altLang="en-US" dirty="0"/>
+              <a:t>五、做为一个高手，必须有一个邮箱</a:t>
+            </a:r>
+            <a:r>
+              <a:rPr lang="en-US" altLang="zh-CN" dirty="0"/>
+              <a:t>+</a:t>
+            </a:r>
+            <a:r>
+              <a:rPr lang="zh-CN" altLang="en-US" dirty="0"/>
+              <a:t>技术博客！</a:t>
+            </a:r>
+          </a:p>
+        </p:txBody>
+      </p:sp>
+      <p:sp>
+        <p:nvSpPr>
+          <p:cNvPr id="3" name="文本框 2">
+            <a:extLst>
+              <a:ext uri="{FF2B5EF4-FFF2-40B4-BE49-F238E27FC236}">
+                <a16:creationId xmlns:a16="http://schemas.microsoft.com/office/drawing/2014/main" id="{D9D2B46F-22ED-494F-8D9C-586205AA92E2}"/>
+              </a:ext>
+            </a:extLst>
+          </p:cNvPr>
+          <p:cNvSpPr txBox="1"/>
+          <p:nvPr/>
+        </p:nvSpPr>
+        <p:spPr>
+          <a:xfrm>
+            <a:off x="1810670" y="5064370"/>
+            <a:ext cx="7388561" cy="1323439"/>
+          </a:xfrm>
+          <a:prstGeom prst="rect">
+            <a:avLst/>
+          </a:prstGeom>
+          <a:noFill/>
+        </p:spPr>
+        <p:txBody>
+          <a:bodyPr wrap="none" rtlCol="0">
+            <a:spAutoFit/>
+          </a:bodyPr>
+          <a:lstStyle/>
+          <a:p>
+            <a:r>
+              <a:rPr lang="en-US" altLang="zh-CN" sz="4000" b="1" dirty="0">
+                <a:hlinkClick r:id="rId2"/>
+              </a:rPr>
+              <a:t>https://www.cnblogs.com/</a:t>
+            </a:r>
+            <a:endParaRPr lang="en-US" altLang="zh-CN" sz="4000" b="1" dirty="0"/>
+          </a:p>
+          <a:p>
+            <a:r>
+              <a:rPr lang="zh-CN" altLang="en-US" sz="4000" b="1" dirty="0"/>
+              <a:t>技术博客记录了个人的成长历程</a:t>
+            </a:r>
+          </a:p>
+        </p:txBody>
+      </p:sp>
+      <p:sp>
+        <p:nvSpPr>
+          <p:cNvPr id="4" name="文本框 3">
+            <a:extLst>
+              <a:ext uri="{FF2B5EF4-FFF2-40B4-BE49-F238E27FC236}">
+                <a16:creationId xmlns:a16="http://schemas.microsoft.com/office/drawing/2014/main" id="{60C67CF8-D42C-402A-A0C7-A220311308B1}"/>
+              </a:ext>
+            </a:extLst>
+          </p:cNvPr>
+          <p:cNvSpPr txBox="1"/>
+          <p:nvPr/>
+        </p:nvSpPr>
+        <p:spPr>
+          <a:xfrm>
+            <a:off x="1746608" y="2646484"/>
+            <a:ext cx="9280105" cy="1323439"/>
+          </a:xfrm>
+          <a:prstGeom prst="rect">
+            <a:avLst/>
+          </a:prstGeom>
+          <a:noFill/>
+        </p:spPr>
+        <p:txBody>
+          <a:bodyPr wrap="none" rtlCol="0">
+            <a:spAutoFit/>
+          </a:bodyPr>
+          <a:lstStyle/>
+          <a:p>
+            <a:r>
+              <a:rPr lang="en-US" altLang="zh-CN" sz="4000" b="1" dirty="0">
+                <a:hlinkClick r:id="rId3"/>
+              </a:rPr>
+              <a:t>http://www.qq.com</a:t>
+            </a:r>
+            <a:endParaRPr lang="en-US" altLang="zh-CN" sz="4000" b="1" dirty="0"/>
+          </a:p>
+          <a:p>
+            <a:r>
+              <a:rPr lang="zh-CN" altLang="en-US" sz="4000" b="1" dirty="0"/>
+              <a:t>这里为讨论方便，统一要求使用</a:t>
+            </a:r>
+            <a:r>
+              <a:rPr lang="en-US" altLang="zh-CN" sz="4000" b="1" dirty="0"/>
+              <a:t>QQ</a:t>
+            </a:r>
+            <a:r>
+              <a:rPr lang="zh-CN" altLang="en-US" sz="4000" b="1" dirty="0"/>
+              <a:t>邮箱</a:t>
+            </a:r>
+          </a:p>
+        </p:txBody>
+      </p:sp>
+    </p:spTree>
+    <p:extLst>
+      <p:ext uri="{BB962C8B-B14F-4D97-AF65-F5344CB8AC3E}">
+        <p14:creationId xmlns:p14="http://schemas.microsoft.com/office/powerpoint/2010/main" val="4024302980"/>
+      </p:ext>
+    </p:extLst>
+  </p:cSld>
+  <p:clrMapOvr>
+    <a:masterClrMapping/>
+  </p:clrMapOvr>
+</p:sld>
+</file>
+
+<file path=ppt/slides/slide13.xml><?xml version="1.0" encoding="utf-8"?>
+<p:sld xmlns:a="http://schemas.openxmlformats.org/drawingml/2006/main" xmlns:r="http://schemas.openxmlformats.org/officeDocument/2006/relationships" xmlns:p="http://schemas.openxmlformats.org/presentationml/2006/main">
+  <p:cSld>
+    <p:spTree>
+      <p:nvGrpSpPr>
+        <p:cNvPr id="1" name=""/>
+        <p:cNvGrpSpPr/>
+        <p:nvPr/>
+      </p:nvGrpSpPr>
+      <p:grpSpPr>
+        <a:xfrm>
+          <a:off x="0" y="0"/>
+          <a:ext cx="0" cy="0"/>
+          <a:chOff x="0" y="0"/>
+          <a:chExt cx="0" cy="0"/>
+        </a:xfrm>
+      </p:grpSpPr>
+      <p:sp>
+        <p:nvSpPr>
+          <p:cNvPr id="2" name="标题 1">
+            <a:extLst>
+              <a:ext uri="{FF2B5EF4-FFF2-40B4-BE49-F238E27FC236}">
+                <a16:creationId xmlns:a16="http://schemas.microsoft.com/office/drawing/2014/main" id="{C6583FA8-347F-415C-AA3F-D71D72F5819B}"/>
+              </a:ext>
+            </a:extLst>
+          </p:cNvPr>
+          <p:cNvSpPr>
+            <a:spLocks noGrp="1"/>
+          </p:cNvSpPr>
+          <p:nvPr>
+            <p:ph type="title"/>
+          </p:nvPr>
+        </p:nvSpPr>
+        <p:spPr>
+          <a:xfrm>
+            <a:off x="1154954" y="973668"/>
+            <a:ext cx="8761413" cy="706964"/>
+          </a:xfrm>
+        </p:spPr>
+        <p:txBody>
+          <a:bodyPr/>
+          <a:lstStyle/>
+          <a:p>
+            <a:r>
+              <a:rPr lang="zh-CN" altLang="en-US" dirty="0"/>
+              <a:t>七、学技术到蓝翔，版本管理</a:t>
+            </a:r>
+            <a:r>
+              <a:rPr lang="en-US" altLang="zh-CN" dirty="0"/>
+              <a:t>GitHub</a:t>
+            </a:r>
+            <a:r>
+              <a:rPr lang="zh-CN" altLang="en-US" dirty="0"/>
+              <a:t>最强！</a:t>
+            </a:r>
+          </a:p>
+        </p:txBody>
+      </p:sp>
+      <p:sp>
+        <p:nvSpPr>
+          <p:cNvPr id="3" name="文本框 2">
+            <a:extLst>
+              <a:ext uri="{FF2B5EF4-FFF2-40B4-BE49-F238E27FC236}">
+                <a16:creationId xmlns:a16="http://schemas.microsoft.com/office/drawing/2014/main" id="{3D84DC9D-E47C-4428-BA52-1ED5F8789F42}"/>
+              </a:ext>
+            </a:extLst>
+          </p:cNvPr>
+          <p:cNvSpPr txBox="1"/>
+          <p:nvPr/>
+        </p:nvSpPr>
+        <p:spPr>
+          <a:xfrm>
+            <a:off x="1248508" y="2699238"/>
+            <a:ext cx="9908930" cy="3539430"/>
+          </a:xfrm>
+          <a:prstGeom prst="rect">
+            <a:avLst/>
+          </a:prstGeom>
+          <a:noFill/>
+        </p:spPr>
+        <p:txBody>
+          <a:bodyPr wrap="square" rtlCol="0">
+            <a:spAutoFit/>
+          </a:bodyPr>
+          <a:lstStyle/>
+          <a:p>
+            <a:r>
+              <a:rPr lang="en-US" altLang="zh-CN" sz="3200" dirty="0"/>
+              <a:t>1</a:t>
+            </a:r>
+            <a:r>
+              <a:rPr lang="zh-CN" altLang="en-US" sz="3200" dirty="0"/>
+              <a:t>、注册  </a:t>
+            </a:r>
+            <a:r>
+              <a:rPr lang="en-US" altLang="zh-CN" sz="3200" dirty="0">
+                <a:hlinkClick r:id="rId2"/>
+              </a:rPr>
+              <a:t>https://github.com/</a:t>
+            </a:r>
+            <a:endParaRPr lang="en-US" altLang="zh-CN" sz="3200" dirty="0"/>
+          </a:p>
+          <a:p>
+            <a:br>
+              <a:rPr lang="en-US" altLang="zh-CN" sz="3200" dirty="0"/>
+            </a:br>
+            <a:r>
+              <a:rPr lang="en-US" altLang="zh-CN" sz="3200" dirty="0"/>
+              <a:t>2</a:t>
+            </a:r>
+            <a:r>
+              <a:rPr lang="zh-CN" altLang="en-US" sz="3200" dirty="0"/>
+              <a:t>、获取老师的讲义</a:t>
+            </a:r>
+            <a:endParaRPr lang="en-US" altLang="zh-CN" sz="3200" dirty="0"/>
+          </a:p>
+          <a:p>
+            <a:r>
+              <a:rPr lang="en-US" altLang="zh-CN" sz="3200" dirty="0">
+                <a:hlinkClick r:id="rId3"/>
+              </a:rPr>
+              <a:t>https://github.com/littlehb</a:t>
+            </a:r>
+            <a:endParaRPr lang="en-US" altLang="zh-CN" sz="3200" dirty="0"/>
+          </a:p>
+          <a:p>
+            <a:br>
+              <a:rPr lang="en-US" altLang="zh-CN" sz="3200" dirty="0"/>
+            </a:br>
+            <a:endParaRPr lang="en-US" altLang="zh-CN" sz="3200" dirty="0"/>
+          </a:p>
+          <a:p>
+            <a:endParaRPr lang="zh-CN" altLang="en-US" sz="3200" dirty="0"/>
+          </a:p>
+        </p:txBody>
+      </p:sp>
+    </p:spTree>
+    <p:extLst>
+      <p:ext uri="{BB962C8B-B14F-4D97-AF65-F5344CB8AC3E}">
+        <p14:creationId xmlns:p14="http://schemas.microsoft.com/office/powerpoint/2010/main" val="3912597094"/>
+      </p:ext>
+    </p:extLst>
+  </p:cSld>
+  <p:clrMapOvr>
+    <a:masterClrMapping/>
+  </p:clrMapOvr>
+</p:sld>
+</file>
+
+<file path=ppt/slides/slide14.xml><?xml version="1.0" encoding="utf-8"?>
+<p:sld xmlns:a="http://schemas.openxmlformats.org/drawingml/2006/main" xmlns:r="http://schemas.openxmlformats.org/officeDocument/2006/relationships" xmlns:p="http://schemas.openxmlformats.org/presentationml/2006/main">
+  <p:cSld>
+    <p:spTree>
+      <p:nvGrpSpPr>
+        <p:cNvPr id="1" name=""/>
+        <p:cNvGrpSpPr/>
+        <p:nvPr/>
+      </p:nvGrpSpPr>
+      <p:grpSpPr>
+        <a:xfrm>
+          <a:off x="0" y="0"/>
+          <a:ext cx="0" cy="0"/>
+          <a:chOff x="0" y="0"/>
+          <a:chExt cx="0" cy="0"/>
+        </a:xfrm>
+      </p:grpSpPr>
+      <p:sp>
+        <p:nvSpPr>
+          <p:cNvPr id="2" name="标题 1">
+            <a:extLst>
+              <a:ext uri="{FF2B5EF4-FFF2-40B4-BE49-F238E27FC236}">
+                <a16:creationId xmlns:a16="http://schemas.microsoft.com/office/drawing/2014/main" id="{82369779-5036-4181-81E3-0650AD843D01}"/>
+              </a:ext>
+            </a:extLst>
+          </p:cNvPr>
+          <p:cNvSpPr>
+            <a:spLocks noGrp="1"/>
+          </p:cNvSpPr>
+          <p:nvPr>
+            <p:ph type="title"/>
+          </p:nvPr>
+        </p:nvSpPr>
+        <p:spPr/>
+        <p:txBody>
+          <a:bodyPr/>
+          <a:lstStyle/>
+          <a:p>
+            <a:r>
+              <a:rPr lang="zh-CN" altLang="en-US" dirty="0"/>
+              <a:t>将</a:t>
+            </a:r>
+            <a:r>
+              <a:rPr lang="en-US" altLang="zh-CN" dirty="0"/>
+              <a:t>GitHub</a:t>
+            </a:r>
+            <a:r>
+              <a:rPr lang="zh-CN" altLang="en-US" dirty="0"/>
+              <a:t>加速</a:t>
+            </a:r>
+            <a:br>
+              <a:rPr lang="en-US" altLang="zh-CN" dirty="0"/>
+            </a:br>
+            <a:endParaRPr lang="zh-CN" altLang="en-US" dirty="0"/>
+          </a:p>
+        </p:txBody>
+      </p:sp>
+      <p:sp>
+        <p:nvSpPr>
+          <p:cNvPr id="3" name="文本框 2">
+            <a:extLst>
+              <a:ext uri="{FF2B5EF4-FFF2-40B4-BE49-F238E27FC236}">
+                <a16:creationId xmlns:a16="http://schemas.microsoft.com/office/drawing/2014/main" id="{161554CA-3163-4458-A699-112A0A841EFE}"/>
+              </a:ext>
+            </a:extLst>
+          </p:cNvPr>
+          <p:cNvSpPr txBox="1"/>
+          <p:nvPr/>
+        </p:nvSpPr>
+        <p:spPr>
+          <a:xfrm>
+            <a:off x="598250" y="2056686"/>
+            <a:ext cx="11183442" cy="5078313"/>
+          </a:xfrm>
+          <a:prstGeom prst="rect">
+            <a:avLst/>
+          </a:prstGeom>
+          <a:noFill/>
+        </p:spPr>
+        <p:txBody>
+          <a:bodyPr wrap="square" rtlCol="0">
+            <a:spAutoFit/>
+          </a:bodyPr>
+          <a:lstStyle/>
+          <a:p>
+            <a:r>
+              <a:rPr lang="en-US" altLang="zh-CN" b="1" dirty="0" err="1"/>
+              <a:t>Github</a:t>
+            </a:r>
+            <a:r>
+              <a:rPr lang="zh-CN" altLang="en-US" b="1" dirty="0"/>
+              <a:t>访问慢解决办法</a:t>
+            </a:r>
+          </a:p>
+          <a:p>
+            <a:r>
+              <a:rPr lang="zh-CN" altLang="en-US" b="1" dirty="0"/>
+              <a:t>原因</a:t>
+            </a:r>
+          </a:p>
+          <a:p>
+            <a:r>
+              <a:rPr lang="zh-CN" altLang="en-US" dirty="0"/>
+              <a:t>为什么慢？</a:t>
+            </a:r>
+            <a:r>
+              <a:rPr lang="en-US" altLang="zh-CN" dirty="0" err="1"/>
+              <a:t>github</a:t>
+            </a:r>
+            <a:r>
+              <a:rPr lang="zh-CN" altLang="en-US" dirty="0"/>
+              <a:t>的</a:t>
+            </a:r>
+            <a:r>
+              <a:rPr lang="en-US" altLang="zh-CN" dirty="0"/>
+              <a:t>CDN</a:t>
+            </a:r>
+            <a:r>
+              <a:rPr lang="zh-CN" altLang="en-US" dirty="0"/>
+              <a:t>被某墙屏了。</a:t>
+            </a:r>
+            <a:endParaRPr lang="en-US" altLang="zh-CN" dirty="0"/>
+          </a:p>
+          <a:p>
+            <a:endParaRPr lang="zh-CN" altLang="en-US" dirty="0"/>
+          </a:p>
+          <a:p>
+            <a:r>
+              <a:rPr lang="zh-CN" altLang="en-US" b="1" dirty="0"/>
+              <a:t>解决方法</a:t>
+            </a:r>
+          </a:p>
+          <a:p>
+            <a:r>
+              <a:rPr lang="zh-CN" altLang="en-US" dirty="0"/>
+              <a:t>绕过</a:t>
+            </a:r>
+            <a:r>
+              <a:rPr lang="en-US" altLang="zh-CN" dirty="0" err="1"/>
+              <a:t>dns</a:t>
+            </a:r>
+            <a:r>
+              <a:rPr lang="zh-CN" altLang="en-US" dirty="0"/>
+              <a:t>解析，在本地直接绑定</a:t>
+            </a:r>
+            <a:r>
+              <a:rPr lang="en-US" altLang="zh-CN" dirty="0"/>
+              <a:t>host</a:t>
+            </a:r>
+            <a:r>
+              <a:rPr lang="zh-CN" altLang="en-US" dirty="0"/>
+              <a:t>，该方法也可加速其他因为</a:t>
+            </a:r>
+            <a:r>
+              <a:rPr lang="en-US" altLang="zh-CN" dirty="0"/>
+              <a:t>CDN</a:t>
+            </a:r>
+            <a:r>
+              <a:rPr lang="zh-CN" altLang="en-US" dirty="0"/>
+              <a:t>被屏蔽导致访问慢的网站。</a:t>
+            </a:r>
+          </a:p>
+          <a:p>
+            <a:r>
+              <a:rPr lang="zh-CN" altLang="en-US" b="1" dirty="0"/>
+              <a:t>实现</a:t>
+            </a:r>
+          </a:p>
+          <a:p>
+            <a:r>
+              <a:rPr lang="zh-CN" altLang="en-US" dirty="0"/>
+              <a:t>在本地</a:t>
+            </a:r>
+            <a:r>
+              <a:rPr lang="en-US" altLang="zh-CN" dirty="0"/>
+              <a:t>host</a:t>
+            </a:r>
+            <a:r>
+              <a:rPr lang="zh-CN" altLang="en-US" dirty="0"/>
+              <a:t>文件中添加映射，步骤如下：</a:t>
+            </a:r>
+          </a:p>
+          <a:p>
+            <a:r>
+              <a:rPr lang="zh-CN" altLang="en-US" dirty="0"/>
+              <a:t>用文本编辑器打开</a:t>
+            </a:r>
+            <a:r>
+              <a:rPr lang="en-US" altLang="zh-CN" dirty="0"/>
+              <a:t>hosts</a:t>
+            </a:r>
+            <a:r>
+              <a:rPr lang="zh-CN" altLang="en-US" dirty="0"/>
+              <a:t>文件，位于</a:t>
+            </a:r>
+            <a:r>
+              <a:rPr lang="en-US" altLang="zh-CN" dirty="0"/>
+              <a:t>C:\Windows\System32\drivers\etc</a:t>
+            </a:r>
+            <a:r>
+              <a:rPr lang="zh-CN" altLang="en-US" dirty="0"/>
+              <a:t>目录下</a:t>
+            </a:r>
+          </a:p>
+          <a:p>
+            <a:r>
+              <a:rPr lang="zh-CN" altLang="en-US" dirty="0"/>
+              <a:t>打开 </a:t>
+            </a:r>
+            <a:r>
+              <a:rPr lang="en-US" altLang="zh-CN" dirty="0">
+                <a:hlinkClick r:id="rId2"/>
+              </a:rPr>
+              <a:t>http://tool.chinaz.com/dns</a:t>
+            </a:r>
+            <a:r>
+              <a:rPr lang="zh-CN" altLang="en-US" dirty="0"/>
+              <a:t> </a:t>
+            </a:r>
+            <a:r>
+              <a:rPr lang="en-US" altLang="zh-CN" dirty="0"/>
+              <a:t>,</a:t>
+            </a:r>
+            <a:r>
+              <a:rPr lang="zh-CN" altLang="en-US" dirty="0"/>
+              <a:t>这是一个查询域名映射关系的工具</a:t>
+            </a:r>
+          </a:p>
+          <a:p>
+            <a:r>
+              <a:rPr lang="zh-CN" altLang="en-US" dirty="0"/>
+              <a:t>查询 </a:t>
+            </a:r>
+            <a:r>
+              <a:rPr lang="en-US" altLang="zh-CN" dirty="0"/>
+              <a:t>github.global.ssl.fastly.net </a:t>
+            </a:r>
+            <a:r>
+              <a:rPr lang="zh-CN" altLang="en-US" dirty="0"/>
+              <a:t>和 </a:t>
+            </a:r>
+            <a:r>
+              <a:rPr lang="en-US" altLang="zh-CN" dirty="0"/>
+              <a:t>assets-cdn.github.com </a:t>
+            </a:r>
+            <a:r>
+              <a:rPr lang="zh-CN" altLang="en-US" dirty="0"/>
+              <a:t>两个地址</a:t>
+            </a:r>
+          </a:p>
+          <a:p>
+            <a:r>
+              <a:rPr lang="zh-CN" altLang="en-US" dirty="0"/>
+              <a:t>多查几次，选择一个稳定，延迟较低的 </a:t>
+            </a:r>
+            <a:r>
+              <a:rPr lang="en-US" altLang="zh-CN" dirty="0" err="1"/>
+              <a:t>ip</a:t>
+            </a:r>
+            <a:r>
+              <a:rPr lang="en-US" altLang="zh-CN" dirty="0"/>
+              <a:t> </a:t>
+            </a:r>
+            <a:r>
+              <a:rPr lang="zh-CN" altLang="en-US" dirty="0"/>
+              <a:t>按如下方式添加到</a:t>
+            </a:r>
+            <a:r>
+              <a:rPr lang="en-US" altLang="zh-CN" dirty="0"/>
+              <a:t>host</a:t>
+            </a:r>
+            <a:r>
+              <a:rPr lang="zh-CN" altLang="en-US" dirty="0"/>
+              <a:t>文件</a:t>
+            </a:r>
+            <a:endParaRPr lang="en-US" altLang="zh-CN" dirty="0"/>
+          </a:p>
+          <a:p>
+            <a:endParaRPr lang="en-US" altLang="zh-CN" dirty="0"/>
+          </a:p>
+          <a:p>
+            <a:r>
+              <a:rPr lang="en-US" altLang="zh-CN" dirty="0"/>
+              <a:t>Windows</a:t>
+            </a:r>
+          </a:p>
+          <a:p>
+            <a:r>
+              <a:rPr lang="zh-CN" altLang="en-US" dirty="0"/>
+              <a:t>开始 </a:t>
+            </a:r>
+            <a:r>
+              <a:rPr lang="en-US" altLang="zh-CN" dirty="0"/>
+              <a:t>-&gt; </a:t>
+            </a:r>
+            <a:r>
+              <a:rPr lang="zh-CN" altLang="en-US" dirty="0"/>
+              <a:t>运行 </a:t>
+            </a:r>
+            <a:r>
+              <a:rPr lang="en-US" altLang="zh-CN" dirty="0"/>
+              <a:t>-&gt; </a:t>
+            </a:r>
+            <a:r>
+              <a:rPr lang="zh-CN" altLang="en-US" dirty="0"/>
+              <a:t>输入</a:t>
+            </a:r>
+            <a:r>
+              <a:rPr lang="en-US" altLang="zh-CN" dirty="0" err="1"/>
+              <a:t>cmd</a:t>
+            </a:r>
+            <a:r>
+              <a:rPr lang="en-US" altLang="zh-CN" dirty="0"/>
+              <a:t> -&gt; </a:t>
+            </a:r>
+            <a:r>
+              <a:rPr lang="zh-CN" altLang="en-US" dirty="0"/>
+              <a:t>在</a:t>
+            </a:r>
+            <a:r>
+              <a:rPr lang="en-US" altLang="zh-CN" dirty="0"/>
+              <a:t>CMD</a:t>
+            </a:r>
+            <a:r>
+              <a:rPr lang="zh-CN" altLang="en-US" dirty="0"/>
+              <a:t>窗口输入  ： </a:t>
+            </a:r>
+            <a:r>
+              <a:rPr lang="en-US" altLang="zh-CN" dirty="0"/>
+              <a:t>ipconfig /</a:t>
+            </a:r>
+            <a:r>
+              <a:rPr lang="en-US" altLang="zh-CN" dirty="0" err="1"/>
+              <a:t>flushdns</a:t>
+            </a:r>
+            <a:endParaRPr lang="en-US" altLang="zh-CN" dirty="0"/>
+          </a:p>
+          <a:p>
+            <a:endParaRPr lang="zh-CN" altLang="en-US" dirty="0"/>
+          </a:p>
+          <a:p>
+            <a:r>
+              <a:rPr lang="zh-CN" altLang="en-US" dirty="0"/>
+              <a:t>保存文件，重新打开浏览器，起飞。</a:t>
+            </a:r>
+          </a:p>
+          <a:p>
+            <a:endParaRPr lang="zh-CN" altLang="en-US" dirty="0"/>
+          </a:p>
+        </p:txBody>
+      </p:sp>
+    </p:spTree>
+    <p:extLst>
+      <p:ext uri="{BB962C8B-B14F-4D97-AF65-F5344CB8AC3E}">
+        <p14:creationId xmlns:p14="http://schemas.microsoft.com/office/powerpoint/2010/main" val="3993113853"/>
+      </p:ext>
+    </p:extLst>
+  </p:cSld>
+  <p:clrMapOvr>
+    <a:masterClrMapping/>
+  </p:clrMapOvr>
+</p:sld>
+</file>
+
+<file path=ppt/slides/slide15.xml><?xml version="1.0" encoding="utf-8"?>
+<p:sld xmlns:a="http://schemas.openxmlformats.org/drawingml/2006/main" xmlns:r="http://schemas.openxmlformats.org/officeDocument/2006/relationships" xmlns:p="http://schemas.openxmlformats.org/presentationml/2006/main">
+  <p:cSld>
+    <p:spTree>
+      <p:nvGrpSpPr>
+        <p:cNvPr id="1" name=""/>
+        <p:cNvGrpSpPr/>
+        <p:nvPr/>
+      </p:nvGrpSpPr>
+      <p:grpSpPr>
+        <a:xfrm>
+          <a:off x="0" y="0"/>
+          <a:ext cx="0" cy="0"/>
+          <a:chOff x="0" y="0"/>
+          <a:chExt cx="0" cy="0"/>
+        </a:xfrm>
+      </p:grpSpPr>
+      <p:pic>
+        <p:nvPicPr>
+          <p:cNvPr id="3" name="图片 2">
+            <a:extLst>
+              <a:ext uri="{FF2B5EF4-FFF2-40B4-BE49-F238E27FC236}">
+                <a16:creationId xmlns:a16="http://schemas.microsoft.com/office/drawing/2014/main" id="{C4742143-D641-4079-AE3A-1C73FD7D6EE9}"/>
+              </a:ext>
+            </a:extLst>
+          </p:cNvPr>
+          <p:cNvPicPr>
+            <a:picLocks noChangeAspect="1"/>
+          </p:cNvPicPr>
+          <p:nvPr/>
+        </p:nvPicPr>
+        <p:blipFill>
+          <a:blip r:embed="rId2"/>
+          <a:stretch>
+            <a:fillRect/>
+          </a:stretch>
+        </p:blipFill>
+        <p:spPr>
+          <a:xfrm>
+            <a:off x="2530035" y="2881509"/>
+            <a:ext cx="6657143" cy="3152381"/>
+          </a:xfrm>
+          <a:prstGeom prst="rect">
+            <a:avLst/>
+          </a:prstGeom>
+        </p:spPr>
+      </p:pic>
+    </p:spTree>
+    <p:extLst>
+      <p:ext uri="{BB962C8B-B14F-4D97-AF65-F5344CB8AC3E}">
+        <p14:creationId xmlns:p14="http://schemas.microsoft.com/office/powerpoint/2010/main" val="2428210992"/>
+      </p:ext>
+    </p:extLst>
+  </p:cSld>
+  <p:clrMapOvr>
+    <a:masterClrMapping/>
+  </p:clrMapOvr>
+</p:sld>
+</file>
+
+<file path=ppt/slides/slide16.xml><?xml version="1.0" encoding="utf-8"?>
+<p:sld xmlns:a="http://schemas.openxmlformats.org/drawingml/2006/main" xmlns:r="http://schemas.openxmlformats.org/officeDocument/2006/relationships" xmlns:p="http://schemas.openxmlformats.org/presentationml/2006/main">
+  <p:cSld>
+    <p:spTree>
+      <p:nvGrpSpPr>
+        <p:cNvPr id="1" name=""/>
+        <p:cNvGrpSpPr/>
+        <p:nvPr/>
+      </p:nvGrpSpPr>
+      <p:grpSpPr>
+        <a:xfrm>
+          <a:off x="0" y="0"/>
+          <a:ext cx="0" cy="0"/>
+          <a:chOff x="0" y="0"/>
+          <a:chExt cx="0" cy="0"/>
+        </a:xfrm>
+      </p:grpSpPr>
+      <p:sp>
+        <p:nvSpPr>
+          <p:cNvPr id="2" name="标题 1">
+            <a:extLst>
+              <a:ext uri="{FF2B5EF4-FFF2-40B4-BE49-F238E27FC236}">
                 <a16:creationId xmlns:a16="http://schemas.microsoft.com/office/drawing/2014/main" id="{58E717B3-D713-49A2-8D24-8D6AF069DBC3}"/>
               </a:ext>
             </a:extLst>
@@ -13832,7 +14569,7 @@
           <a:p>
             <a:r>
               <a:rPr lang="zh-CN" altLang="en-US" dirty="0"/>
-              <a:t>五、小孩子不玩游戏可不行！</a:t>
+              <a:t>六、小孩子不玩游戏可不行！</a:t>
             </a:r>
           </a:p>
         </p:txBody>
@@ -13907,132 +14644,6 @@
     <p:extLst>
       <p:ext uri="{BB962C8B-B14F-4D97-AF65-F5344CB8AC3E}">
         <p14:creationId xmlns:p14="http://schemas.microsoft.com/office/powerpoint/2010/main" val="2713677777"/>
-      </p:ext>
-    </p:extLst>
-  </p:cSld>
-  <p:clrMapOvr>
-    <a:masterClrMapping/>
-  </p:clrMapOvr>
-</p:sld>
-</file>
-
-<file path=ppt/slides/slide13.xml><?xml version="1.0" encoding="utf-8"?>
-<p:sld xmlns:a="http://schemas.openxmlformats.org/drawingml/2006/main" xmlns:r="http://schemas.openxmlformats.org/officeDocument/2006/relationships" xmlns:p="http://schemas.openxmlformats.org/presentationml/2006/main">
-  <p:cSld>
-    <p:spTree>
-      <p:nvGrpSpPr>
-        <p:cNvPr id="1" name=""/>
-        <p:cNvGrpSpPr/>
-        <p:nvPr/>
-      </p:nvGrpSpPr>
-      <p:grpSpPr>
-        <a:xfrm>
-          <a:off x="0" y="0"/>
-          <a:ext cx="0" cy="0"/>
-          <a:chOff x="0" y="0"/>
-          <a:chExt cx="0" cy="0"/>
-        </a:xfrm>
-      </p:grpSpPr>
-      <p:sp>
-        <p:nvSpPr>
-          <p:cNvPr id="2" name="标题 1">
-            <a:extLst>
-              <a:ext uri="{FF2B5EF4-FFF2-40B4-BE49-F238E27FC236}">
-                <a16:creationId xmlns:a16="http://schemas.microsoft.com/office/drawing/2014/main" id="{47775DEE-FA18-4753-9981-B5C5E2F824B3}"/>
-              </a:ext>
-            </a:extLst>
-          </p:cNvPr>
-          <p:cNvSpPr>
-            <a:spLocks noGrp="1"/>
-          </p:cNvSpPr>
-          <p:nvPr>
-            <p:ph type="title"/>
-          </p:nvPr>
-        </p:nvSpPr>
-        <p:spPr/>
-        <p:txBody>
-          <a:bodyPr/>
-          <a:lstStyle/>
-          <a:p>
-            <a:r>
-              <a:rPr lang="zh-CN" altLang="en-US" dirty="0"/>
-              <a:t>六、做为一个高手，必须有一个技术博客！</a:t>
-            </a:r>
-          </a:p>
-        </p:txBody>
-      </p:sp>
-      <p:sp>
-        <p:nvSpPr>
-          <p:cNvPr id="3" name="文本框 2">
-            <a:extLst>
-              <a:ext uri="{FF2B5EF4-FFF2-40B4-BE49-F238E27FC236}">
-                <a16:creationId xmlns:a16="http://schemas.microsoft.com/office/drawing/2014/main" id="{D9D2B46F-22ED-494F-8D9C-586205AA92E2}"/>
-              </a:ext>
-            </a:extLst>
-          </p:cNvPr>
-          <p:cNvSpPr txBox="1"/>
-          <p:nvPr/>
-        </p:nvSpPr>
-        <p:spPr>
-          <a:xfrm>
-            <a:off x="3050385" y="3332284"/>
-            <a:ext cx="6865982" cy="707886"/>
-          </a:xfrm>
-          <a:prstGeom prst="rect">
-            <a:avLst/>
-          </a:prstGeom>
-          <a:noFill/>
-        </p:spPr>
-        <p:txBody>
-          <a:bodyPr wrap="none" rtlCol="0">
-            <a:spAutoFit/>
-          </a:bodyPr>
-          <a:lstStyle/>
-          <a:p>
-            <a:r>
-              <a:rPr lang="en-US" altLang="zh-CN" sz="4000" b="1" dirty="0">
-                <a:hlinkClick r:id="rId2"/>
-              </a:rPr>
-              <a:t>https://www.cnblogs.com/</a:t>
-            </a:r>
-            <a:endParaRPr lang="zh-CN" altLang="en-US" sz="4000" b="1" dirty="0"/>
-          </a:p>
-        </p:txBody>
-      </p:sp>
-    </p:spTree>
-    <p:extLst>
-      <p:ext uri="{BB962C8B-B14F-4D97-AF65-F5344CB8AC3E}">
-        <p14:creationId xmlns:p14="http://schemas.microsoft.com/office/powerpoint/2010/main" val="4024302980"/>
-      </p:ext>
-    </p:extLst>
-  </p:cSld>
-  <p:clrMapOvr>
-    <a:masterClrMapping/>
-  </p:clrMapOvr>
-</p:sld>
-</file>
-
-<file path=ppt/slides/slide14.xml><?xml version="1.0" encoding="utf-8"?>
-<p:sld xmlns:a="http://schemas.openxmlformats.org/drawingml/2006/main" xmlns:r="http://schemas.openxmlformats.org/officeDocument/2006/relationships" xmlns:p="http://schemas.openxmlformats.org/presentationml/2006/main">
-  <p:cSld>
-    <p:spTree>
-      <p:nvGrpSpPr>
-        <p:cNvPr id="1" name=""/>
-        <p:cNvGrpSpPr/>
-        <p:nvPr/>
-      </p:nvGrpSpPr>
-      <p:grpSpPr>
-        <a:xfrm>
-          <a:off x="0" y="0"/>
-          <a:ext cx="0" cy="0"/>
-          <a:chOff x="0" y="0"/>
-          <a:chExt cx="0" cy="0"/>
-        </a:xfrm>
-      </p:grpSpPr>
-    </p:spTree>
-    <p:extLst>
-      <p:ext uri="{BB962C8B-B14F-4D97-AF65-F5344CB8AC3E}">
-        <p14:creationId xmlns:p14="http://schemas.microsoft.com/office/powerpoint/2010/main" val="3912597094"/>
       </p:ext>
     </p:extLst>
   </p:cSld>

--- a/第1课-python入门/python入门.pptx
+++ b/第1课-python入门/python入门.pptx
@@ -5,25 +5,27 @@
     <p:sldMasterId id="2147483660" r:id="rId1"/>
   </p:sldMasterIdLst>
   <p:notesMasterIdLst>
-    <p:notesMasterId r:id="rId18"/>
+    <p:notesMasterId r:id="rId20"/>
   </p:notesMasterIdLst>
   <p:sldIdLst>
     <p:sldId id="256" r:id="rId2"/>
     <p:sldId id="257" r:id="rId3"/>
     <p:sldId id="268" r:id="rId4"/>
     <p:sldId id="258" r:id="rId5"/>
-    <p:sldId id="259" r:id="rId6"/>
-    <p:sldId id="260" r:id="rId7"/>
-    <p:sldId id="261" r:id="rId8"/>
-    <p:sldId id="262" r:id="rId9"/>
-    <p:sldId id="263" r:id="rId10"/>
-    <p:sldId id="264" r:id="rId11"/>
-    <p:sldId id="265" r:id="rId12"/>
-    <p:sldId id="267" r:id="rId13"/>
-    <p:sldId id="269" r:id="rId14"/>
-    <p:sldId id="270" r:id="rId15"/>
-    <p:sldId id="271" r:id="rId16"/>
-    <p:sldId id="266" r:id="rId17"/>
+    <p:sldId id="272" r:id="rId6"/>
+    <p:sldId id="259" r:id="rId7"/>
+    <p:sldId id="260" r:id="rId8"/>
+    <p:sldId id="273" r:id="rId9"/>
+    <p:sldId id="261" r:id="rId10"/>
+    <p:sldId id="262" r:id="rId11"/>
+    <p:sldId id="263" r:id="rId12"/>
+    <p:sldId id="264" r:id="rId13"/>
+    <p:sldId id="265" r:id="rId14"/>
+    <p:sldId id="267" r:id="rId15"/>
+    <p:sldId id="269" r:id="rId16"/>
+    <p:sldId id="270" r:id="rId17"/>
+    <p:sldId id="271" r:id="rId18"/>
+    <p:sldId id="266" r:id="rId19"/>
   </p:sldIdLst>
   <p:sldSz cx="12192000" cy="6858000"/>
   <p:notesSz cx="6858000" cy="9144000"/>
@@ -212,7 +214,7 @@
           <a:p>
             <a:fld id="{37C19070-0ACB-964B-9A57-570229ED9CFB}" type="datetimeFigureOut">
               <a:rPr kumimoji="1" lang="zh-CN" altLang="en-US" smtClean="0"/>
-              <a:t>2018/3/13</a:t>
+              <a:t>2018/3/14</a:t>
             </a:fld>
             <a:endParaRPr kumimoji="1" lang="zh-CN" altLang="en-US"/>
           </a:p>
@@ -814,7 +816,7 @@
           <a:p>
             <a:fld id="{3990034D-B195-C943-AE61-74B68AA87FB9}" type="datetimeFigureOut">
               <a:rPr kumimoji="1" lang="zh-CN" altLang="en-US" smtClean="0"/>
-              <a:t>2018/3/13</a:t>
+              <a:t>2018/3/14</a:t>
             </a:fld>
             <a:endParaRPr kumimoji="1" lang="zh-CN" altLang="en-US"/>
           </a:p>
@@ -1897,7 +1899,7 @@
           <a:p>
             <a:fld id="{3990034D-B195-C943-AE61-74B68AA87FB9}" type="datetimeFigureOut">
               <a:rPr kumimoji="1" lang="zh-CN" altLang="en-US" smtClean="0"/>
-              <a:t>2018/3/13</a:t>
+              <a:t>2018/3/14</a:t>
             </a:fld>
             <a:endParaRPr kumimoji="1" lang="zh-CN" altLang="en-US"/>
           </a:p>
@@ -2872,7 +2874,7 @@
           <a:p>
             <a:fld id="{3990034D-B195-C943-AE61-74B68AA87FB9}" type="datetimeFigureOut">
               <a:rPr kumimoji="1" lang="zh-CN" altLang="en-US" smtClean="0"/>
-              <a:t>2018/3/13</a:t>
+              <a:t>2018/3/14</a:t>
             </a:fld>
             <a:endParaRPr kumimoji="1" lang="zh-CN" altLang="en-US"/>
           </a:p>
@@ -4001,7 +4003,7 @@
           <a:p>
             <a:fld id="{3990034D-B195-C943-AE61-74B68AA87FB9}" type="datetimeFigureOut">
               <a:rPr kumimoji="1" lang="zh-CN" altLang="en-US" smtClean="0"/>
-              <a:t>2018/3/13</a:t>
+              <a:t>2018/3/14</a:t>
             </a:fld>
             <a:endParaRPr kumimoji="1" lang="zh-CN" altLang="en-US"/>
           </a:p>
@@ -5029,7 +5031,7 @@
           <a:p>
             <a:fld id="{3990034D-B195-C943-AE61-74B68AA87FB9}" type="datetimeFigureOut">
               <a:rPr kumimoji="1" lang="zh-CN" altLang="en-US" smtClean="0"/>
-              <a:t>2018/3/13</a:t>
+              <a:t>2018/3/14</a:t>
             </a:fld>
             <a:endParaRPr kumimoji="1" lang="zh-CN" altLang="en-US"/>
           </a:p>
@@ -5684,7 +5686,7 @@
           <a:p>
             <a:fld id="{3990034D-B195-C943-AE61-74B68AA87FB9}" type="datetimeFigureOut">
               <a:rPr kumimoji="1" lang="zh-CN" altLang="en-US" smtClean="0"/>
-              <a:t>2018/3/13</a:t>
+              <a:t>2018/3/14</a:t>
             </a:fld>
             <a:endParaRPr kumimoji="1" lang="zh-CN" altLang="en-US"/>
           </a:p>
@@ -6540,7 +6542,7 @@
           <a:p>
             <a:fld id="{3990034D-B195-C943-AE61-74B68AA87FB9}" type="datetimeFigureOut">
               <a:rPr kumimoji="1" lang="zh-CN" altLang="en-US" smtClean="0"/>
-              <a:t>2018/3/13</a:t>
+              <a:t>2018/3/14</a:t>
             </a:fld>
             <a:endParaRPr kumimoji="1" lang="zh-CN" altLang="en-US"/>
           </a:p>
@@ -6725,7 +6727,7 @@
           <a:p>
             <a:fld id="{3990034D-B195-C943-AE61-74B68AA87FB9}" type="datetimeFigureOut">
               <a:rPr kumimoji="1" lang="zh-CN" altLang="en-US" smtClean="0"/>
-              <a:t>2018/3/13</a:t>
+              <a:t>2018/3/14</a:t>
             </a:fld>
             <a:endParaRPr kumimoji="1" lang="zh-CN" altLang="en-US"/>
           </a:p>
@@ -7692,7 +7694,7 @@
           <a:p>
             <a:fld id="{3990034D-B195-C943-AE61-74B68AA87FB9}" type="datetimeFigureOut">
               <a:rPr kumimoji="1" lang="zh-CN" altLang="en-US" smtClean="0"/>
-              <a:t>2018/3/13</a:t>
+              <a:t>2018/3/14</a:t>
             </a:fld>
             <a:endParaRPr kumimoji="1" lang="zh-CN" altLang="en-US"/>
           </a:p>
@@ -7898,7 +7900,7 @@
           <a:p>
             <a:fld id="{3990034D-B195-C943-AE61-74B68AA87FB9}" type="datetimeFigureOut">
               <a:rPr kumimoji="1" lang="zh-CN" altLang="en-US" smtClean="0"/>
-              <a:t>2018/3/13</a:t>
+              <a:t>2018/3/14</a:t>
             </a:fld>
             <a:endParaRPr kumimoji="1" lang="zh-CN" altLang="en-US"/>
           </a:p>
@@ -8927,7 +8929,7 @@
           <a:p>
             <a:fld id="{3990034D-B195-C943-AE61-74B68AA87FB9}" type="datetimeFigureOut">
               <a:rPr kumimoji="1" lang="zh-CN" altLang="en-US" smtClean="0"/>
-              <a:t>2018/3/13</a:t>
+              <a:t>2018/3/14</a:t>
             </a:fld>
             <a:endParaRPr kumimoji="1" lang="zh-CN" altLang="en-US"/>
           </a:p>
@@ -9194,7 +9196,7 @@
           <a:p>
             <a:fld id="{3990034D-B195-C943-AE61-74B68AA87FB9}" type="datetimeFigureOut">
               <a:rPr kumimoji="1" lang="zh-CN" altLang="en-US" smtClean="0"/>
-              <a:t>2018/3/13</a:t>
+              <a:t>2018/3/14</a:t>
             </a:fld>
             <a:endParaRPr kumimoji="1" lang="zh-CN" altLang="en-US"/>
           </a:p>
@@ -9599,7 +9601,7 @@
           <a:p>
             <a:fld id="{3990034D-B195-C943-AE61-74B68AA87FB9}" type="datetimeFigureOut">
               <a:rPr kumimoji="1" lang="zh-CN" altLang="en-US" smtClean="0"/>
-              <a:t>2018/3/13</a:t>
+              <a:t>2018/3/14</a:t>
             </a:fld>
             <a:endParaRPr kumimoji="1" lang="zh-CN" altLang="en-US"/>
           </a:p>
@@ -9721,7 +9723,7 @@
           <a:p>
             <a:fld id="{3990034D-B195-C943-AE61-74B68AA87FB9}" type="datetimeFigureOut">
               <a:rPr kumimoji="1" lang="zh-CN" altLang="en-US" smtClean="0"/>
-              <a:t>2018/3/13</a:t>
+              <a:t>2018/3/14</a:t>
             </a:fld>
             <a:endParaRPr kumimoji="1" lang="zh-CN" altLang="en-US"/>
           </a:p>
@@ -9811,7 +9813,7 @@
           <a:p>
             <a:fld id="{3990034D-B195-C943-AE61-74B68AA87FB9}" type="datetimeFigureOut">
               <a:rPr kumimoji="1" lang="zh-CN" altLang="en-US" smtClean="0"/>
-              <a:t>2018/3/13</a:t>
+              <a:t>2018/3/14</a:t>
             </a:fld>
             <a:endParaRPr kumimoji="1" lang="zh-CN" altLang="en-US"/>
           </a:p>
@@ -10887,7 +10889,7 @@
           <a:p>
             <a:fld id="{3990034D-B195-C943-AE61-74B68AA87FB9}" type="datetimeFigureOut">
               <a:rPr kumimoji="1" lang="zh-CN" altLang="en-US" smtClean="0"/>
-              <a:t>2018/3/13</a:t>
+              <a:t>2018/3/14</a:t>
             </a:fld>
             <a:endParaRPr kumimoji="1" lang="zh-CN" altLang="en-US"/>
           </a:p>
@@ -11990,7 +11992,7 @@
           <a:p>
             <a:fld id="{3990034D-B195-C943-AE61-74B68AA87FB9}" type="datetimeFigureOut">
               <a:rPr kumimoji="1" lang="zh-CN" altLang="en-US" smtClean="0"/>
-              <a:t>2018/3/13</a:t>
+              <a:t>2018/3/14</a:t>
             </a:fld>
             <a:endParaRPr kumimoji="1" lang="zh-CN" altLang="en-US"/>
           </a:p>
@@ -12982,7 +12984,7 @@
           <a:p>
             <a:fld id="{3990034D-B195-C943-AE61-74B68AA87FB9}" type="datetimeFigureOut">
               <a:rPr kumimoji="1" lang="zh-CN" altLang="en-US" smtClean="0"/>
-              <a:t>2018/3/13</a:t>
+              <a:t>2018/3/14</a:t>
             </a:fld>
             <a:endParaRPr kumimoji="1" lang="zh-CN" altLang="en-US"/>
           </a:p>
@@ -13636,6 +13638,387 @@
           <p:cNvPr id="2" name="标题 1">
             <a:extLst>
               <a:ext uri="{FF2B5EF4-FFF2-40B4-BE49-F238E27FC236}">
+                <a16:creationId xmlns:a16="http://schemas.microsoft.com/office/drawing/2014/main" id="{63266539-8447-479F-8564-1EEEB400151C}"/>
+              </a:ext>
+            </a:extLst>
+          </p:cNvPr>
+          <p:cNvSpPr>
+            <a:spLocks noGrp="1"/>
+          </p:cNvSpPr>
+          <p:nvPr>
+            <p:ph type="title"/>
+          </p:nvPr>
+        </p:nvSpPr>
+        <p:spPr/>
+        <p:txBody>
+          <a:bodyPr/>
+          <a:lstStyle/>
+          <a:p>
+            <a:r>
+              <a:rPr lang="en-US" altLang="zh-CN" dirty="0"/>
+              <a:t>IDE</a:t>
+            </a:r>
+            <a:r>
+              <a:rPr lang="zh-CN" altLang="en-US" dirty="0"/>
+              <a:t>下载地址：</a:t>
+            </a:r>
+          </a:p>
+        </p:txBody>
+      </p:sp>
+      <p:sp>
+        <p:nvSpPr>
+          <p:cNvPr id="3" name="文本框 2">
+            <a:extLst>
+              <a:ext uri="{FF2B5EF4-FFF2-40B4-BE49-F238E27FC236}">
+                <a16:creationId xmlns:a16="http://schemas.microsoft.com/office/drawing/2014/main" id="{BC79A539-BDEC-4D5B-8A63-A82FCC98EADA}"/>
+              </a:ext>
+            </a:extLst>
+          </p:cNvPr>
+          <p:cNvSpPr txBox="1"/>
+          <p:nvPr/>
+        </p:nvSpPr>
+        <p:spPr>
+          <a:xfrm>
+            <a:off x="3006969" y="2708031"/>
+            <a:ext cx="7632218" cy="584775"/>
+          </a:xfrm>
+          <a:prstGeom prst="rect">
+            <a:avLst/>
+          </a:prstGeom>
+          <a:noFill/>
+        </p:spPr>
+        <p:txBody>
+          <a:bodyPr wrap="none" rtlCol="0">
+            <a:spAutoFit/>
+          </a:bodyPr>
+          <a:lstStyle/>
+          <a:p>
+            <a:r>
+              <a:rPr lang="en-US" altLang="zh-CN" sz="3200" b="1" dirty="0">
+                <a:hlinkClick r:id="rId2"/>
+              </a:rPr>
+              <a:t>https://www.jetbrains.com/pycharm/</a:t>
+            </a:r>
+            <a:endParaRPr lang="zh-CN" altLang="en-US" sz="3200" b="1" dirty="0"/>
+          </a:p>
+        </p:txBody>
+      </p:sp>
+      <p:sp>
+        <p:nvSpPr>
+          <p:cNvPr id="4" name="标题 1">
+            <a:extLst>
+              <a:ext uri="{FF2B5EF4-FFF2-40B4-BE49-F238E27FC236}">
+                <a16:creationId xmlns:a16="http://schemas.microsoft.com/office/drawing/2014/main" id="{A020234C-291D-4464-8ED5-3ACD474ECC90}"/>
+              </a:ext>
+            </a:extLst>
+          </p:cNvPr>
+          <p:cNvSpPr txBox="1">
+            <a:spLocks/>
+          </p:cNvSpPr>
+          <p:nvPr/>
+        </p:nvSpPr>
+        <p:spPr bwMode="gray">
+          <a:xfrm>
+            <a:off x="999623" y="3508783"/>
+            <a:ext cx="8761413" cy="706964"/>
+          </a:xfrm>
+          <a:prstGeom prst="rect">
+            <a:avLst/>
+          </a:prstGeom>
+        </p:spPr>
+        <p:txBody>
+          <a:bodyPr vert="horz" lIns="91440" tIns="45720" rIns="91440" bIns="45720" rtlCol="0" anchor="ctr">
+            <a:noAutofit/>
+          </a:bodyPr>
+          <a:lstStyle>
+            <a:lvl1pPr algn="l" defTabSz="457200" rtl="0" eaLnBrk="1" latinLnBrk="0" hangingPunct="1">
+              <a:spcBef>
+                <a:spcPct val="0"/>
+              </a:spcBef>
+              <a:buNone/>
+              <a:defRPr sz="3600" b="0" i="0" kern="1200">
+                <a:solidFill>
+                  <a:schemeClr val="bg2"/>
+                </a:solidFill>
+                <a:latin typeface="+mj-lt"/>
+                <a:ea typeface="+mj-ea"/>
+                <a:cs typeface="+mj-cs"/>
+              </a:defRPr>
+            </a:lvl1pPr>
+            <a:lvl2pPr eaLnBrk="1" hangingPunct="1">
+              <a:defRPr>
+                <a:solidFill>
+                  <a:schemeClr val="tx2"/>
+                </a:solidFill>
+              </a:defRPr>
+            </a:lvl2pPr>
+            <a:lvl3pPr eaLnBrk="1" hangingPunct="1">
+              <a:defRPr>
+                <a:solidFill>
+                  <a:schemeClr val="tx2"/>
+                </a:solidFill>
+              </a:defRPr>
+            </a:lvl3pPr>
+            <a:lvl4pPr eaLnBrk="1" hangingPunct="1">
+              <a:defRPr>
+                <a:solidFill>
+                  <a:schemeClr val="tx2"/>
+                </a:solidFill>
+              </a:defRPr>
+            </a:lvl4pPr>
+            <a:lvl5pPr eaLnBrk="1" hangingPunct="1">
+              <a:defRPr>
+                <a:solidFill>
+                  <a:schemeClr val="tx2"/>
+                </a:solidFill>
+              </a:defRPr>
+            </a:lvl5pPr>
+            <a:lvl6pPr eaLnBrk="1" hangingPunct="1">
+              <a:defRPr>
+                <a:solidFill>
+                  <a:schemeClr val="tx2"/>
+                </a:solidFill>
+              </a:defRPr>
+            </a:lvl6pPr>
+            <a:lvl7pPr eaLnBrk="1" hangingPunct="1">
+              <a:defRPr>
+                <a:solidFill>
+                  <a:schemeClr val="tx2"/>
+                </a:solidFill>
+              </a:defRPr>
+            </a:lvl7pPr>
+            <a:lvl8pPr eaLnBrk="1" hangingPunct="1">
+              <a:defRPr>
+                <a:solidFill>
+                  <a:schemeClr val="tx2"/>
+                </a:solidFill>
+              </a:defRPr>
+            </a:lvl8pPr>
+            <a:lvl9pPr eaLnBrk="1" hangingPunct="1">
+              <a:defRPr>
+                <a:solidFill>
+                  <a:schemeClr val="tx2"/>
+                </a:solidFill>
+              </a:defRPr>
+            </a:lvl9pPr>
+          </a:lstStyle>
+          <a:p>
+            <a:r>
+              <a:rPr lang="zh-CN" altLang="en-US" b="1" dirty="0">
+                <a:solidFill>
+                  <a:schemeClr val="tx1"/>
+                </a:solidFill>
+              </a:rPr>
+              <a:t>注册信息：</a:t>
+            </a:r>
+          </a:p>
+        </p:txBody>
+      </p:sp>
+      <p:sp>
+        <p:nvSpPr>
+          <p:cNvPr id="5" name="文本框 4">
+            <a:extLst>
+              <a:ext uri="{FF2B5EF4-FFF2-40B4-BE49-F238E27FC236}">
+                <a16:creationId xmlns:a16="http://schemas.microsoft.com/office/drawing/2014/main" id="{A52C1394-3F42-4AF6-A1F3-E4798CBAE07D}"/>
+              </a:ext>
+            </a:extLst>
+          </p:cNvPr>
+          <p:cNvSpPr txBox="1"/>
+          <p:nvPr/>
+        </p:nvSpPr>
+        <p:spPr>
+          <a:xfrm>
+            <a:off x="1860822" y="4828569"/>
+            <a:ext cx="9924512" cy="584775"/>
+          </a:xfrm>
+          <a:prstGeom prst="rect">
+            <a:avLst/>
+          </a:prstGeom>
+          <a:noFill/>
+        </p:spPr>
+        <p:txBody>
+          <a:bodyPr wrap="none" rtlCol="0">
+            <a:spAutoFit/>
+          </a:bodyPr>
+          <a:lstStyle/>
+          <a:p>
+            <a:r>
+              <a:rPr lang="en-US" altLang="zh-CN" sz="3200" b="1" dirty="0">
+                <a:hlinkClick r:id="rId3"/>
+              </a:rPr>
+              <a:t>http://www.cnblogs.com/littlehb/p/7784517.html</a:t>
+            </a:r>
+            <a:endParaRPr lang="zh-CN" altLang="en-US" sz="3200" b="1" dirty="0"/>
+          </a:p>
+        </p:txBody>
+      </p:sp>
+    </p:spTree>
+    <p:extLst>
+      <p:ext uri="{BB962C8B-B14F-4D97-AF65-F5344CB8AC3E}">
+        <p14:creationId xmlns:p14="http://schemas.microsoft.com/office/powerpoint/2010/main" val="213620047"/>
+      </p:ext>
+    </p:extLst>
+  </p:cSld>
+  <p:clrMapOvr>
+    <a:masterClrMapping/>
+  </p:clrMapOvr>
+</p:sld>
+</file>
+
+<file path=ppt/slides/slide11.xml><?xml version="1.0" encoding="utf-8"?>
+<p:sld xmlns:a="http://schemas.openxmlformats.org/drawingml/2006/main" xmlns:r="http://schemas.openxmlformats.org/officeDocument/2006/relationships" xmlns:p="http://schemas.openxmlformats.org/presentationml/2006/main">
+  <p:cSld>
+    <p:spTree>
+      <p:nvGrpSpPr>
+        <p:cNvPr id="1" name=""/>
+        <p:cNvGrpSpPr/>
+        <p:nvPr/>
+      </p:nvGrpSpPr>
+      <p:grpSpPr>
+        <a:xfrm>
+          <a:off x="0" y="0"/>
+          <a:ext cx="0" cy="0"/>
+          <a:chOff x="0" y="0"/>
+          <a:chExt cx="0" cy="0"/>
+        </a:xfrm>
+      </p:grpSpPr>
+      <p:sp>
+        <p:nvSpPr>
+          <p:cNvPr id="2" name="标题 1">
+            <a:extLst>
+              <a:ext uri="{FF2B5EF4-FFF2-40B4-BE49-F238E27FC236}">
+                <a16:creationId xmlns:a16="http://schemas.microsoft.com/office/drawing/2014/main" id="{6DF243B4-C7CA-40AB-9749-7362ACCD0820}"/>
+              </a:ext>
+            </a:extLst>
+          </p:cNvPr>
+          <p:cNvSpPr>
+            <a:spLocks noGrp="1"/>
+          </p:cNvSpPr>
+          <p:nvPr>
+            <p:ph type="title"/>
+          </p:nvPr>
+        </p:nvSpPr>
+        <p:spPr/>
+        <p:txBody>
+          <a:bodyPr/>
+          <a:lstStyle/>
+          <a:p>
+            <a:r>
+              <a:rPr lang="en-US" altLang="zh-CN" dirty="0" err="1"/>
+              <a:t>Pycharm</a:t>
+            </a:r>
+            <a:r>
+              <a:rPr lang="zh-CN" altLang="en-US" dirty="0"/>
+              <a:t>的风格</a:t>
+            </a:r>
+          </a:p>
+        </p:txBody>
+      </p:sp>
+      <p:sp>
+        <p:nvSpPr>
+          <p:cNvPr id="5" name="文本框 4">
+            <a:extLst>
+              <a:ext uri="{FF2B5EF4-FFF2-40B4-BE49-F238E27FC236}">
+                <a16:creationId xmlns:a16="http://schemas.microsoft.com/office/drawing/2014/main" id="{EBB9D171-FB7B-4DBB-8A21-BC22B537C2A6}"/>
+              </a:ext>
+            </a:extLst>
+          </p:cNvPr>
+          <p:cNvSpPr txBox="1"/>
+          <p:nvPr/>
+        </p:nvSpPr>
+        <p:spPr>
+          <a:xfrm>
+            <a:off x="1679331" y="2690446"/>
+            <a:ext cx="2116285" cy="369332"/>
+          </a:xfrm>
+          <a:prstGeom prst="rect">
+            <a:avLst/>
+          </a:prstGeom>
+          <a:noFill/>
+        </p:spPr>
+        <p:txBody>
+          <a:bodyPr wrap="none" rtlCol="0">
+            <a:spAutoFit/>
+          </a:bodyPr>
+          <a:lstStyle/>
+          <a:p>
+            <a:r>
+              <a:rPr lang="zh-CN" altLang="en-US" dirty="0"/>
+              <a:t>快捷键：</a:t>
+            </a:r>
+            <a:r>
+              <a:rPr lang="en-US" altLang="zh-CN" dirty="0" err="1"/>
+              <a:t>ctrl+Alt+s</a:t>
+            </a:r>
+            <a:endParaRPr lang="zh-CN" altLang="en-US" dirty="0"/>
+          </a:p>
+        </p:txBody>
+      </p:sp>
+      <p:pic>
+        <p:nvPicPr>
+          <p:cNvPr id="6" name="图片 5">
+            <a:extLst>
+              <a:ext uri="{FF2B5EF4-FFF2-40B4-BE49-F238E27FC236}">
+                <a16:creationId xmlns:a16="http://schemas.microsoft.com/office/drawing/2014/main" id="{3EE7AA5F-8FB8-4606-AE45-0DE83A025C14}"/>
+              </a:ext>
+            </a:extLst>
+          </p:cNvPr>
+          <p:cNvPicPr>
+            <a:picLocks noChangeAspect="1"/>
+          </p:cNvPicPr>
+          <p:nvPr/>
+        </p:nvPicPr>
+        <p:blipFill>
+          <a:blip r:embed="rId2"/>
+          <a:stretch>
+            <a:fillRect/>
+          </a:stretch>
+        </p:blipFill>
+        <p:spPr>
+          <a:xfrm>
+            <a:off x="3991338" y="2110154"/>
+            <a:ext cx="7746394" cy="4127208"/>
+          </a:xfrm>
+          <a:prstGeom prst="rect">
+            <a:avLst/>
+          </a:prstGeom>
+        </p:spPr>
+      </p:pic>
+    </p:spTree>
+    <p:extLst>
+      <p:ext uri="{BB962C8B-B14F-4D97-AF65-F5344CB8AC3E}">
+        <p14:creationId xmlns:p14="http://schemas.microsoft.com/office/powerpoint/2010/main" val="845222099"/>
+      </p:ext>
+    </p:extLst>
+  </p:cSld>
+  <p:clrMapOvr>
+    <a:masterClrMapping/>
+  </p:clrMapOvr>
+</p:sld>
+</file>
+
+<file path=ppt/slides/slide12.xml><?xml version="1.0" encoding="utf-8"?>
+<p:sld xmlns:a="http://schemas.openxmlformats.org/drawingml/2006/main" xmlns:r="http://schemas.openxmlformats.org/officeDocument/2006/relationships" xmlns:p="http://schemas.openxmlformats.org/presentationml/2006/main">
+  <p:cSld>
+    <p:spTree>
+      <p:nvGrpSpPr>
+        <p:cNvPr id="1" name=""/>
+        <p:cNvGrpSpPr/>
+        <p:nvPr/>
+      </p:nvGrpSpPr>
+      <p:grpSpPr>
+        <a:xfrm>
+          <a:off x="0" y="0"/>
+          <a:ext cx="0" cy="0"/>
+          <a:chOff x="0" y="0"/>
+          <a:chExt cx="0" cy="0"/>
+        </a:xfrm>
+      </p:grpSpPr>
+      <p:sp>
+        <p:nvSpPr>
+          <p:cNvPr id="2" name="标题 1">
+            <a:extLst>
+              <a:ext uri="{FF2B5EF4-FFF2-40B4-BE49-F238E27FC236}">
                 <a16:creationId xmlns:a16="http://schemas.microsoft.com/office/drawing/2014/main" id="{732CDFE2-6E21-482B-BF53-89332E0CEA52}"/>
               </a:ext>
             </a:extLst>
@@ -13702,7 +14085,7 @@
 </p:sld>
 </file>
 
-<file path=ppt/slides/slide11.xml><?xml version="1.0" encoding="utf-8"?>
+<file path=ppt/slides/slide13.xml><?xml version="1.0" encoding="utf-8"?>
 <p:sld xmlns:a="http://schemas.openxmlformats.org/drawingml/2006/main" xmlns:r="http://schemas.openxmlformats.org/officeDocument/2006/relationships" xmlns:p="http://schemas.openxmlformats.org/presentationml/2006/main">
   <p:cSld>
     <p:spTree>
@@ -13794,7 +14177,7 @@
 </p:sld>
 </file>
 
-<file path=ppt/slides/slide12.xml><?xml version="1.0" encoding="utf-8"?>
+<file path=ppt/slides/slide14.xml><?xml version="1.0" encoding="utf-8"?>
 <p:sld xmlns:a="http://schemas.openxmlformats.org/drawingml/2006/main" xmlns:r="http://schemas.openxmlformats.org/officeDocument/2006/relationships" xmlns:p="http://schemas.openxmlformats.org/presentationml/2006/main">
   <p:cSld>
     <p:spTree>
@@ -13956,7 +14339,7 @@
 </p:sld>
 </file>
 
-<file path=ppt/slides/slide13.xml><?xml version="1.0" encoding="utf-8"?>
+<file path=ppt/slides/slide15.xml><?xml version="1.0" encoding="utf-8"?>
 <p:sld xmlns:a="http://schemas.openxmlformats.org/drawingml/2006/main" xmlns:r="http://schemas.openxmlformats.org/officeDocument/2006/relationships" xmlns:p="http://schemas.openxmlformats.org/presentationml/2006/main">
   <p:cSld>
     <p:spTree>
@@ -14092,6 +14475,53 @@
           </a:p>
         </p:txBody>
       </p:sp>
+      <p:pic>
+        <p:nvPicPr>
+          <p:cNvPr id="1026" name="Picture 2" descr="https://timgsa.baidu.com/timg?image&amp;quality=80&amp;size=b9999_10000&amp;sec=1521037419209&amp;di=e632d122f4cbadfc67a86ec0a3e19c8d&amp;imgtype=0&amp;src=http%3A%2F%2Fp5.qhimg.com%2Ft01004f3aa1c2872030.jpg">
+            <a:extLst>
+              <a:ext uri="{FF2B5EF4-FFF2-40B4-BE49-F238E27FC236}">
+                <a16:creationId xmlns:a16="http://schemas.microsoft.com/office/drawing/2014/main" id="{9CBC23B3-1864-42F8-A442-76F15384838A}"/>
+              </a:ext>
+            </a:extLst>
+          </p:cNvPr>
+          <p:cNvPicPr>
+            <a:picLocks noChangeAspect="1" noChangeArrowheads="1"/>
+          </p:cNvPicPr>
+          <p:nvPr/>
+        </p:nvPicPr>
+        <p:blipFill>
+          <a:blip r:embed="rId4">
+            <a:extLst>
+              <a:ext uri="{28A0092B-C50C-407E-A947-70E740481C1C}">
+                <a14:useLocalDpi xmlns:a14="http://schemas.microsoft.com/office/drawing/2010/main" val="0"/>
+              </a:ext>
+            </a:extLst>
+          </a:blip>
+          <a:srcRect/>
+          <a:stretch>
+            <a:fillRect/>
+          </a:stretch>
+        </p:blipFill>
+        <p:spPr bwMode="auto">
+          <a:xfrm>
+            <a:off x="6972300" y="2699238"/>
+            <a:ext cx="5219700" cy="3790950"/>
+          </a:xfrm>
+          <a:prstGeom prst="rect">
+            <a:avLst/>
+          </a:prstGeom>
+          <a:noFill/>
+          <a:extLst>
+            <a:ext uri="{909E8E84-426E-40DD-AFC4-6F175D3DCCD1}">
+              <a14:hiddenFill xmlns:a14="http://schemas.microsoft.com/office/drawing/2010/main">
+                <a:solidFill>
+                  <a:srgbClr val="FFFFFF"/>
+                </a:solidFill>
+              </a14:hiddenFill>
+            </a:ext>
+          </a:extLst>
+        </p:spPr>
+      </p:pic>
     </p:spTree>
     <p:extLst>
       <p:ext uri="{BB962C8B-B14F-4D97-AF65-F5344CB8AC3E}">
@@ -14105,7 +14535,7 @@
 </p:sld>
 </file>
 
-<file path=ppt/slides/slide14.xml><?xml version="1.0" encoding="utf-8"?>
+<file path=ppt/slides/slide16.xml><?xml version="1.0" encoding="utf-8"?>
 <p:sld xmlns:a="http://schemas.openxmlformats.org/drawingml/2006/main" xmlns:r="http://schemas.openxmlformats.org/officeDocument/2006/relationships" xmlns:p="http://schemas.openxmlformats.org/presentationml/2006/main">
   <p:cSld>
     <p:spTree>
@@ -14469,7 +14899,7 @@
 </p:sld>
 </file>
 
-<file path=ppt/slides/slide15.xml><?xml version="1.0" encoding="utf-8"?>
+<file path=ppt/slides/slide17.xml><?xml version="1.0" encoding="utf-8"?>
 <p:sld xmlns:a="http://schemas.openxmlformats.org/drawingml/2006/main" xmlns:r="http://schemas.openxmlformats.org/officeDocument/2006/relationships" xmlns:p="http://schemas.openxmlformats.org/presentationml/2006/main">
   <p:cSld>
     <p:spTree>
@@ -14529,7 +14959,7 @@
 </p:sld>
 </file>
 
-<file path=ppt/slides/slide16.xml><?xml version="1.0" encoding="utf-8"?>
+<file path=ppt/slides/slide18.xml><?xml version="1.0" encoding="utf-8"?>
 <p:sld xmlns:a="http://schemas.openxmlformats.org/drawingml/2006/main" xmlns:r="http://schemas.openxmlformats.org/officeDocument/2006/relationships" xmlns:p="http://schemas.openxmlformats.org/presentationml/2006/main">
   <p:cSld>
     <p:spTree>
@@ -15251,6 +15681,103 @@
           <a:lstStyle/>
           <a:p>
             <a:r>
+              <a:rPr lang="zh-CN" altLang="en-US" sz="4000" b="1" dirty="0"/>
+              <a:t>三、安装</a:t>
+            </a:r>
+            <a:r>
+              <a:rPr lang="en-US" altLang="zh-CN" sz="4000" b="1" dirty="0"/>
+              <a:t>python </a:t>
+            </a:r>
+            <a:r>
+              <a:rPr lang="en-US" altLang="zh-CN" dirty="0"/>
+              <a:t>https://www.python.org</a:t>
+            </a:r>
+            <a:endParaRPr lang="zh-CN" altLang="en-US" dirty="0"/>
+          </a:p>
+        </p:txBody>
+      </p:sp>
+      <p:pic>
+        <p:nvPicPr>
+          <p:cNvPr id="3" name="图片 2">
+            <a:extLst>
+              <a:ext uri="{FF2B5EF4-FFF2-40B4-BE49-F238E27FC236}">
+                <a16:creationId xmlns:a16="http://schemas.microsoft.com/office/drawing/2014/main" id="{22AF12C2-3FAF-4A24-82DF-43E16D70E292}"/>
+              </a:ext>
+            </a:extLst>
+          </p:cNvPr>
+          <p:cNvPicPr>
+            <a:picLocks noChangeAspect="1"/>
+          </p:cNvPicPr>
+          <p:nvPr/>
+        </p:nvPicPr>
+        <p:blipFill>
+          <a:blip r:embed="rId2"/>
+          <a:stretch>
+            <a:fillRect/>
+          </a:stretch>
+        </p:blipFill>
+        <p:spPr>
+          <a:xfrm>
+            <a:off x="2297151" y="2149635"/>
+            <a:ext cx="7127126" cy="4708365"/>
+          </a:xfrm>
+          <a:prstGeom prst="rect">
+            <a:avLst/>
+          </a:prstGeom>
+        </p:spPr>
+      </p:pic>
+    </p:spTree>
+    <p:extLst>
+      <p:ext uri="{BB962C8B-B14F-4D97-AF65-F5344CB8AC3E}">
+        <p14:creationId xmlns:p14="http://schemas.microsoft.com/office/powerpoint/2010/main" val="450325371"/>
+      </p:ext>
+    </p:extLst>
+  </p:cSld>
+  <p:clrMapOvr>
+    <a:masterClrMapping/>
+  </p:clrMapOvr>
+</p:sld>
+</file>
+
+<file path=ppt/slides/slide6.xml><?xml version="1.0" encoding="utf-8"?>
+<p:sld xmlns:a="http://schemas.openxmlformats.org/drawingml/2006/main" xmlns:r="http://schemas.openxmlformats.org/officeDocument/2006/relationships" xmlns:p="http://schemas.openxmlformats.org/presentationml/2006/main">
+  <p:cSld>
+    <p:spTree>
+      <p:nvGrpSpPr>
+        <p:cNvPr id="1" name=""/>
+        <p:cNvGrpSpPr/>
+        <p:nvPr/>
+      </p:nvGrpSpPr>
+      <p:grpSpPr>
+        <a:xfrm>
+          <a:off x="0" y="0"/>
+          <a:ext cx="0" cy="0"/>
+          <a:chOff x="0" y="0"/>
+          <a:chExt cx="0" cy="0"/>
+        </a:xfrm>
+      </p:grpSpPr>
+      <p:sp>
+        <p:nvSpPr>
+          <p:cNvPr id="2" name="标题 1">
+            <a:extLst>
+              <a:ext uri="{FF2B5EF4-FFF2-40B4-BE49-F238E27FC236}">
+                <a16:creationId xmlns:a16="http://schemas.microsoft.com/office/drawing/2014/main" id="{0D6EC60D-8E75-499F-94E3-8FAF4B62A3DB}"/>
+              </a:ext>
+            </a:extLst>
+          </p:cNvPr>
+          <p:cNvSpPr>
+            <a:spLocks noGrp="1"/>
+          </p:cNvSpPr>
+          <p:nvPr>
+            <p:ph type="title"/>
+          </p:nvPr>
+        </p:nvSpPr>
+        <p:spPr/>
+        <p:txBody>
+          <a:bodyPr/>
+          <a:lstStyle/>
+          <a:p>
+            <a:r>
               <a:rPr lang="zh-CN" altLang="en-US" dirty="0"/>
               <a:t>三、安装</a:t>
             </a:r>
@@ -15335,7 +15862,7 @@
 </p:sld>
 </file>
 
-<file path=ppt/slides/slide6.xml><?xml version="1.0" encoding="utf-8"?>
+<file path=ppt/slides/slide7.xml><?xml version="1.0" encoding="utf-8"?>
 <p:sld xmlns:a="http://schemas.openxmlformats.org/drawingml/2006/main" xmlns:r="http://schemas.openxmlformats.org/officeDocument/2006/relationships" xmlns:p="http://schemas.openxmlformats.org/presentationml/2006/main">
   <p:cSld>
     <p:spTree>
@@ -15581,7 +16108,67 @@
 </p:sld>
 </file>
 
-<file path=ppt/slides/slide7.xml><?xml version="1.0" encoding="utf-8"?>
+<file path=ppt/slides/slide8.xml><?xml version="1.0" encoding="utf-8"?>
+<p:sld xmlns:a="http://schemas.openxmlformats.org/drawingml/2006/main" xmlns:r="http://schemas.openxmlformats.org/officeDocument/2006/relationships" xmlns:p="http://schemas.openxmlformats.org/presentationml/2006/main">
+  <p:cSld>
+    <p:spTree>
+      <p:nvGrpSpPr>
+        <p:cNvPr id="1" name=""/>
+        <p:cNvGrpSpPr/>
+        <p:nvPr/>
+      </p:nvGrpSpPr>
+      <p:grpSpPr>
+        <a:xfrm>
+          <a:off x="0" y="0"/>
+          <a:ext cx="0" cy="0"/>
+          <a:chOff x="0" y="0"/>
+          <a:chExt cx="0" cy="0"/>
+        </a:xfrm>
+      </p:grpSpPr>
+      <p:pic>
+        <p:nvPicPr>
+          <p:cNvPr id="3" name="图片 2">
+            <a:extLst>
+              <a:ext uri="{FF2B5EF4-FFF2-40B4-BE49-F238E27FC236}">
+                <a16:creationId xmlns:a16="http://schemas.microsoft.com/office/drawing/2014/main" id="{EB05C86B-9FA4-4B3E-8D0A-0B027CE662A4}"/>
+              </a:ext>
+            </a:extLst>
+          </p:cNvPr>
+          <p:cNvPicPr>
+            <a:picLocks noChangeAspect="1"/>
+          </p:cNvPicPr>
+          <p:nvPr/>
+        </p:nvPicPr>
+        <p:blipFill>
+          <a:blip r:embed="rId2"/>
+          <a:stretch>
+            <a:fillRect/>
+          </a:stretch>
+        </p:blipFill>
+        <p:spPr>
+          <a:xfrm>
+            <a:off x="2324571" y="2774080"/>
+            <a:ext cx="7542857" cy="3428571"/>
+          </a:xfrm>
+          <a:prstGeom prst="rect">
+            <a:avLst/>
+          </a:prstGeom>
+        </p:spPr>
+      </p:pic>
+    </p:spTree>
+    <p:extLst>
+      <p:ext uri="{BB962C8B-B14F-4D97-AF65-F5344CB8AC3E}">
+        <p14:creationId xmlns:p14="http://schemas.microsoft.com/office/powerpoint/2010/main" val="4275516887"/>
+      </p:ext>
+    </p:extLst>
+  </p:cSld>
+  <p:clrMapOvr>
+    <a:masterClrMapping/>
+  </p:clrMapOvr>
+</p:sld>
+</file>
+
+<file path=ppt/slides/slide9.xml><?xml version="1.0" encoding="utf-8"?>
 <p:sld xmlns:a="http://schemas.openxmlformats.org/drawingml/2006/main" xmlns:r="http://schemas.openxmlformats.org/officeDocument/2006/relationships" xmlns:p="http://schemas.openxmlformats.org/presentationml/2006/main">
   <p:cSld>
     <p:spTree>
@@ -15660,387 +16247,6 @@
     <p:extLst>
       <p:ext uri="{BB962C8B-B14F-4D97-AF65-F5344CB8AC3E}">
         <p14:creationId xmlns:p14="http://schemas.microsoft.com/office/powerpoint/2010/main" val="4097740624"/>
-      </p:ext>
-    </p:extLst>
-  </p:cSld>
-  <p:clrMapOvr>
-    <a:masterClrMapping/>
-  </p:clrMapOvr>
-</p:sld>
-</file>
-
-<file path=ppt/slides/slide8.xml><?xml version="1.0" encoding="utf-8"?>
-<p:sld xmlns:a="http://schemas.openxmlformats.org/drawingml/2006/main" xmlns:r="http://schemas.openxmlformats.org/officeDocument/2006/relationships" xmlns:p="http://schemas.openxmlformats.org/presentationml/2006/main">
-  <p:cSld>
-    <p:spTree>
-      <p:nvGrpSpPr>
-        <p:cNvPr id="1" name=""/>
-        <p:cNvGrpSpPr/>
-        <p:nvPr/>
-      </p:nvGrpSpPr>
-      <p:grpSpPr>
-        <a:xfrm>
-          <a:off x="0" y="0"/>
-          <a:ext cx="0" cy="0"/>
-          <a:chOff x="0" y="0"/>
-          <a:chExt cx="0" cy="0"/>
-        </a:xfrm>
-      </p:grpSpPr>
-      <p:sp>
-        <p:nvSpPr>
-          <p:cNvPr id="2" name="标题 1">
-            <a:extLst>
-              <a:ext uri="{FF2B5EF4-FFF2-40B4-BE49-F238E27FC236}">
-                <a16:creationId xmlns:a16="http://schemas.microsoft.com/office/drawing/2014/main" id="{63266539-8447-479F-8564-1EEEB400151C}"/>
-              </a:ext>
-            </a:extLst>
-          </p:cNvPr>
-          <p:cNvSpPr>
-            <a:spLocks noGrp="1"/>
-          </p:cNvSpPr>
-          <p:nvPr>
-            <p:ph type="title"/>
-          </p:nvPr>
-        </p:nvSpPr>
-        <p:spPr/>
-        <p:txBody>
-          <a:bodyPr/>
-          <a:lstStyle/>
-          <a:p>
-            <a:r>
-              <a:rPr lang="en-US" altLang="zh-CN" dirty="0"/>
-              <a:t>IDE</a:t>
-            </a:r>
-            <a:r>
-              <a:rPr lang="zh-CN" altLang="en-US" dirty="0"/>
-              <a:t>下载地址：</a:t>
-            </a:r>
-          </a:p>
-        </p:txBody>
-      </p:sp>
-      <p:sp>
-        <p:nvSpPr>
-          <p:cNvPr id="3" name="文本框 2">
-            <a:extLst>
-              <a:ext uri="{FF2B5EF4-FFF2-40B4-BE49-F238E27FC236}">
-                <a16:creationId xmlns:a16="http://schemas.microsoft.com/office/drawing/2014/main" id="{BC79A539-BDEC-4D5B-8A63-A82FCC98EADA}"/>
-              </a:ext>
-            </a:extLst>
-          </p:cNvPr>
-          <p:cNvSpPr txBox="1"/>
-          <p:nvPr/>
-        </p:nvSpPr>
-        <p:spPr>
-          <a:xfrm>
-            <a:off x="3006969" y="2708031"/>
-            <a:ext cx="4368504" cy="369332"/>
-          </a:xfrm>
-          <a:prstGeom prst="rect">
-            <a:avLst/>
-          </a:prstGeom>
-          <a:noFill/>
-        </p:spPr>
-        <p:txBody>
-          <a:bodyPr wrap="none" rtlCol="0">
-            <a:spAutoFit/>
-          </a:bodyPr>
-          <a:lstStyle/>
-          <a:p>
-            <a:r>
-              <a:rPr lang="en-US" altLang="zh-CN" b="1" dirty="0">
-                <a:hlinkClick r:id="rId2"/>
-              </a:rPr>
-              <a:t>https://www.jetbrains.com/pycharm/</a:t>
-            </a:r>
-            <a:endParaRPr lang="zh-CN" altLang="en-US" b="1" dirty="0"/>
-          </a:p>
-        </p:txBody>
-      </p:sp>
-      <p:sp>
-        <p:nvSpPr>
-          <p:cNvPr id="4" name="标题 1">
-            <a:extLst>
-              <a:ext uri="{FF2B5EF4-FFF2-40B4-BE49-F238E27FC236}">
-                <a16:creationId xmlns:a16="http://schemas.microsoft.com/office/drawing/2014/main" id="{A020234C-291D-4464-8ED5-3ACD474ECC90}"/>
-              </a:ext>
-            </a:extLst>
-          </p:cNvPr>
-          <p:cNvSpPr txBox="1">
-            <a:spLocks/>
-          </p:cNvSpPr>
-          <p:nvPr/>
-        </p:nvSpPr>
-        <p:spPr bwMode="gray">
-          <a:xfrm>
-            <a:off x="999623" y="3508783"/>
-            <a:ext cx="8761413" cy="706964"/>
-          </a:xfrm>
-          <a:prstGeom prst="rect">
-            <a:avLst/>
-          </a:prstGeom>
-        </p:spPr>
-        <p:txBody>
-          <a:bodyPr vert="horz" lIns="91440" tIns="45720" rIns="91440" bIns="45720" rtlCol="0" anchor="ctr">
-            <a:noAutofit/>
-          </a:bodyPr>
-          <a:lstStyle>
-            <a:lvl1pPr algn="l" defTabSz="457200" rtl="0" eaLnBrk="1" latinLnBrk="0" hangingPunct="1">
-              <a:spcBef>
-                <a:spcPct val="0"/>
-              </a:spcBef>
-              <a:buNone/>
-              <a:defRPr sz="3600" b="0" i="0" kern="1200">
-                <a:solidFill>
-                  <a:schemeClr val="bg2"/>
-                </a:solidFill>
-                <a:latin typeface="+mj-lt"/>
-                <a:ea typeface="+mj-ea"/>
-                <a:cs typeface="+mj-cs"/>
-              </a:defRPr>
-            </a:lvl1pPr>
-            <a:lvl2pPr eaLnBrk="1" hangingPunct="1">
-              <a:defRPr>
-                <a:solidFill>
-                  <a:schemeClr val="tx2"/>
-                </a:solidFill>
-              </a:defRPr>
-            </a:lvl2pPr>
-            <a:lvl3pPr eaLnBrk="1" hangingPunct="1">
-              <a:defRPr>
-                <a:solidFill>
-                  <a:schemeClr val="tx2"/>
-                </a:solidFill>
-              </a:defRPr>
-            </a:lvl3pPr>
-            <a:lvl4pPr eaLnBrk="1" hangingPunct="1">
-              <a:defRPr>
-                <a:solidFill>
-                  <a:schemeClr val="tx2"/>
-                </a:solidFill>
-              </a:defRPr>
-            </a:lvl4pPr>
-            <a:lvl5pPr eaLnBrk="1" hangingPunct="1">
-              <a:defRPr>
-                <a:solidFill>
-                  <a:schemeClr val="tx2"/>
-                </a:solidFill>
-              </a:defRPr>
-            </a:lvl5pPr>
-            <a:lvl6pPr eaLnBrk="1" hangingPunct="1">
-              <a:defRPr>
-                <a:solidFill>
-                  <a:schemeClr val="tx2"/>
-                </a:solidFill>
-              </a:defRPr>
-            </a:lvl6pPr>
-            <a:lvl7pPr eaLnBrk="1" hangingPunct="1">
-              <a:defRPr>
-                <a:solidFill>
-                  <a:schemeClr val="tx2"/>
-                </a:solidFill>
-              </a:defRPr>
-            </a:lvl7pPr>
-            <a:lvl8pPr eaLnBrk="1" hangingPunct="1">
-              <a:defRPr>
-                <a:solidFill>
-                  <a:schemeClr val="tx2"/>
-                </a:solidFill>
-              </a:defRPr>
-            </a:lvl8pPr>
-            <a:lvl9pPr eaLnBrk="1" hangingPunct="1">
-              <a:defRPr>
-                <a:solidFill>
-                  <a:schemeClr val="tx2"/>
-                </a:solidFill>
-              </a:defRPr>
-            </a:lvl9pPr>
-          </a:lstStyle>
-          <a:p>
-            <a:r>
-              <a:rPr lang="zh-CN" altLang="en-US" b="1" dirty="0">
-                <a:solidFill>
-                  <a:schemeClr val="tx1"/>
-                </a:solidFill>
-              </a:rPr>
-              <a:t>注册信息：</a:t>
-            </a:r>
-          </a:p>
-        </p:txBody>
-      </p:sp>
-      <p:sp>
-        <p:nvSpPr>
-          <p:cNvPr id="5" name="文本框 4">
-            <a:extLst>
-              <a:ext uri="{FF2B5EF4-FFF2-40B4-BE49-F238E27FC236}">
-                <a16:creationId xmlns:a16="http://schemas.microsoft.com/office/drawing/2014/main" id="{A52C1394-3F42-4AF6-A1F3-E4798CBAE07D}"/>
-              </a:ext>
-            </a:extLst>
-          </p:cNvPr>
-          <p:cNvSpPr txBox="1"/>
-          <p:nvPr/>
-        </p:nvSpPr>
-        <p:spPr>
-          <a:xfrm>
-            <a:off x="3006969" y="4932485"/>
-            <a:ext cx="5666936" cy="369332"/>
-          </a:xfrm>
-          <a:prstGeom prst="rect">
-            <a:avLst/>
-          </a:prstGeom>
-          <a:noFill/>
-        </p:spPr>
-        <p:txBody>
-          <a:bodyPr wrap="none" rtlCol="0">
-            <a:spAutoFit/>
-          </a:bodyPr>
-          <a:lstStyle/>
-          <a:p>
-            <a:r>
-              <a:rPr lang="en-US" altLang="zh-CN" dirty="0">
-                <a:hlinkClick r:id="rId3"/>
-              </a:rPr>
-              <a:t>http://www.cnblogs.com/littlehb/p/7784517.html</a:t>
-            </a:r>
-            <a:endParaRPr lang="zh-CN" altLang="en-US" dirty="0"/>
-          </a:p>
-        </p:txBody>
-      </p:sp>
-    </p:spTree>
-    <p:extLst>
-      <p:ext uri="{BB962C8B-B14F-4D97-AF65-F5344CB8AC3E}">
-        <p14:creationId xmlns:p14="http://schemas.microsoft.com/office/powerpoint/2010/main" val="213620047"/>
-      </p:ext>
-    </p:extLst>
-  </p:cSld>
-  <p:clrMapOvr>
-    <a:masterClrMapping/>
-  </p:clrMapOvr>
-</p:sld>
-</file>
-
-<file path=ppt/slides/slide9.xml><?xml version="1.0" encoding="utf-8"?>
-<p:sld xmlns:a="http://schemas.openxmlformats.org/drawingml/2006/main" xmlns:r="http://schemas.openxmlformats.org/officeDocument/2006/relationships" xmlns:p="http://schemas.openxmlformats.org/presentationml/2006/main">
-  <p:cSld>
-    <p:spTree>
-      <p:nvGrpSpPr>
-        <p:cNvPr id="1" name=""/>
-        <p:cNvGrpSpPr/>
-        <p:nvPr/>
-      </p:nvGrpSpPr>
-      <p:grpSpPr>
-        <a:xfrm>
-          <a:off x="0" y="0"/>
-          <a:ext cx="0" cy="0"/>
-          <a:chOff x="0" y="0"/>
-          <a:chExt cx="0" cy="0"/>
-        </a:xfrm>
-      </p:grpSpPr>
-      <p:sp>
-        <p:nvSpPr>
-          <p:cNvPr id="2" name="标题 1">
-            <a:extLst>
-              <a:ext uri="{FF2B5EF4-FFF2-40B4-BE49-F238E27FC236}">
-                <a16:creationId xmlns:a16="http://schemas.microsoft.com/office/drawing/2014/main" id="{6DF243B4-C7CA-40AB-9749-7362ACCD0820}"/>
-              </a:ext>
-            </a:extLst>
-          </p:cNvPr>
-          <p:cNvSpPr>
-            <a:spLocks noGrp="1"/>
-          </p:cNvSpPr>
-          <p:nvPr>
-            <p:ph type="title"/>
-          </p:nvPr>
-        </p:nvSpPr>
-        <p:spPr/>
-        <p:txBody>
-          <a:bodyPr/>
-          <a:lstStyle/>
-          <a:p>
-            <a:r>
-              <a:rPr lang="en-US" altLang="zh-CN" dirty="0" err="1"/>
-              <a:t>Pycharm</a:t>
-            </a:r>
-            <a:r>
-              <a:rPr lang="zh-CN" altLang="en-US" dirty="0"/>
-              <a:t>的风格</a:t>
-            </a:r>
-          </a:p>
-        </p:txBody>
-      </p:sp>
-      <p:sp>
-        <p:nvSpPr>
-          <p:cNvPr id="5" name="文本框 4">
-            <a:extLst>
-              <a:ext uri="{FF2B5EF4-FFF2-40B4-BE49-F238E27FC236}">
-                <a16:creationId xmlns:a16="http://schemas.microsoft.com/office/drawing/2014/main" id="{EBB9D171-FB7B-4DBB-8A21-BC22B537C2A6}"/>
-              </a:ext>
-            </a:extLst>
-          </p:cNvPr>
-          <p:cNvSpPr txBox="1"/>
-          <p:nvPr/>
-        </p:nvSpPr>
-        <p:spPr>
-          <a:xfrm>
-            <a:off x="1679331" y="2690446"/>
-            <a:ext cx="2116285" cy="369332"/>
-          </a:xfrm>
-          <a:prstGeom prst="rect">
-            <a:avLst/>
-          </a:prstGeom>
-          <a:noFill/>
-        </p:spPr>
-        <p:txBody>
-          <a:bodyPr wrap="none" rtlCol="0">
-            <a:spAutoFit/>
-          </a:bodyPr>
-          <a:lstStyle/>
-          <a:p>
-            <a:r>
-              <a:rPr lang="zh-CN" altLang="en-US" dirty="0"/>
-              <a:t>快捷键：</a:t>
-            </a:r>
-            <a:r>
-              <a:rPr lang="en-US" altLang="zh-CN" dirty="0" err="1"/>
-              <a:t>ctrl+Alt+s</a:t>
-            </a:r>
-            <a:endParaRPr lang="zh-CN" altLang="en-US" dirty="0"/>
-          </a:p>
-        </p:txBody>
-      </p:sp>
-      <p:pic>
-        <p:nvPicPr>
-          <p:cNvPr id="6" name="图片 5">
-            <a:extLst>
-              <a:ext uri="{FF2B5EF4-FFF2-40B4-BE49-F238E27FC236}">
-                <a16:creationId xmlns:a16="http://schemas.microsoft.com/office/drawing/2014/main" id="{3EE7AA5F-8FB8-4606-AE45-0DE83A025C14}"/>
-              </a:ext>
-            </a:extLst>
-          </p:cNvPr>
-          <p:cNvPicPr>
-            <a:picLocks noChangeAspect="1"/>
-          </p:cNvPicPr>
-          <p:nvPr/>
-        </p:nvPicPr>
-        <p:blipFill>
-          <a:blip r:embed="rId2"/>
-          <a:stretch>
-            <a:fillRect/>
-          </a:stretch>
-        </p:blipFill>
-        <p:spPr>
-          <a:xfrm>
-            <a:off x="3991338" y="2110154"/>
-            <a:ext cx="7746394" cy="4127208"/>
-          </a:xfrm>
-          <a:prstGeom prst="rect">
-            <a:avLst/>
-          </a:prstGeom>
-        </p:spPr>
-      </p:pic>
-    </p:spTree>
-    <p:extLst>
-      <p:ext uri="{BB962C8B-B14F-4D97-AF65-F5344CB8AC3E}">
-        <p14:creationId xmlns:p14="http://schemas.microsoft.com/office/powerpoint/2010/main" val="845222099"/>
       </p:ext>
     </p:extLst>
   </p:cSld>
